--- a/doc/pics/pics.pptx
+++ b/doc/pics/pics.pptx
@@ -10,8 +10,8 @@
   <p:sldIdLst>
     <p:sldId id="278" r:id="rId2"/>
     <p:sldId id="277" r:id="rId3"/>
-    <p:sldId id="279" r:id="rId4"/>
-    <p:sldId id="280" r:id="rId5"/>
+    <p:sldId id="282" r:id="rId4"/>
+    <p:sldId id="281" r:id="rId5"/>
   </p:sldIdLst>
   <p:sldSz cx="18000663" cy="16200438"/>
   <p:notesSz cx="6858000" cy="9144000"/>
@@ -6295,9 +6295,146 @@
           </a:p>
         </p:txBody>
       </p:sp>
+      <p:sp>
+        <p:nvSpPr>
+          <p:cNvPr id="43" name="AutoShape 40">
+            <a:extLst>
+              <a:ext uri="{FF2B5EF4-FFF2-40B4-BE49-F238E27FC236}">
+                <a16:creationId xmlns:a16="http://schemas.microsoft.com/office/drawing/2014/main" id="{B0EE9867-2019-4F7B-95A5-995E7E451A1E}"/>
+              </a:ext>
+            </a:extLst>
+          </p:cNvPr>
+          <p:cNvSpPr>
+            <a:spLocks noChangeArrowheads="1"/>
+          </p:cNvSpPr>
+          <p:nvPr/>
+        </p:nvSpPr>
+        <p:spPr bwMode="auto">
+          <a:xfrm flipV="1">
+            <a:off x="9793887" y="2306641"/>
+            <a:ext cx="609600" cy="304800"/>
+          </a:xfrm>
+          <a:prstGeom prst="foldedCorner">
+            <a:avLst>
+              <a:gd name="adj" fmla="val 27606"/>
+            </a:avLst>
+          </a:prstGeom>
+          <a:solidFill>
+            <a:schemeClr val="bg1"/>
+          </a:solidFill>
+          <a:ln w="9525">
+            <a:solidFill>
+              <a:schemeClr val="tx1"/>
+            </a:solidFill>
+            <a:round/>
+            <a:headEnd/>
+            <a:tailEnd/>
+          </a:ln>
+        </p:spPr>
+        <p:txBody>
+          <a:bodyPr rot="10800000" wrap="none" anchor="ctr" anchorCtr="1"/>
+          <a:lstStyle/>
+          <a:p>
+            <a:pPr eaLnBrk="0" hangingPunct="0">
+              <a:lnSpc>
+                <a:spcPct val="70000"/>
+              </a:lnSpc>
+            </a:pPr>
+            <a:r>
+              <a:rPr lang="en-US" altLang="de-DE" sz="1600" dirty="0"/>
+              <a:t>OD</a:t>
+            </a:r>
+          </a:p>
+        </p:txBody>
+      </p:sp>
+      <p:sp>
+        <p:nvSpPr>
+          <p:cNvPr id="49" name="Textfeld 48"/>
+          <p:cNvSpPr txBox="1"/>
+          <p:nvPr/>
+        </p:nvSpPr>
+        <p:spPr>
+          <a:xfrm>
+            <a:off x="8196672" y="3048253"/>
+            <a:ext cx="2056973" cy="307777"/>
+          </a:xfrm>
+          <a:prstGeom prst="rect">
+            <a:avLst/>
+          </a:prstGeom>
+          <a:noFill/>
+        </p:spPr>
+        <p:txBody>
+          <a:bodyPr wrap="none" rtlCol="0">
+            <a:spAutoFit/>
+          </a:bodyPr>
+          <a:lstStyle/>
+          <a:p>
+            <a:r>
+              <a:rPr lang="de-DE" sz="1400" i="1" dirty="0" err="1">
+                <a:solidFill>
+                  <a:srgbClr val="00549F"/>
+                </a:solidFill>
+                <a:latin typeface="Comic Sans MS" panose="030F0702030302020204" pitchFamily="66" charset="0"/>
+              </a:rPr>
+              <a:t>i</a:t>
+            </a:r>
+            <a:r>
+              <a:rPr lang="de-DE" sz="1400" i="1" dirty="0" err="1" smtClean="0">
+                <a:solidFill>
+                  <a:srgbClr val="00549F"/>
+                </a:solidFill>
+                <a:latin typeface="Comic Sans MS" panose="030F0702030302020204" pitchFamily="66" charset="0"/>
+              </a:rPr>
+              <a:t>ntroduced</a:t>
+            </a:r>
+            <a:r>
+              <a:rPr lang="de-DE" sz="1400" i="1" dirty="0" smtClean="0">
+                <a:solidFill>
+                  <a:srgbClr val="00549F"/>
+                </a:solidFill>
+                <a:latin typeface="Comic Sans MS" panose="030F0702030302020204" pitchFamily="66" charset="0"/>
+              </a:rPr>
+              <a:t> </a:t>
+            </a:r>
+            <a:r>
+              <a:rPr lang="de-DE" sz="1400" i="1" dirty="0" err="1" smtClean="0">
+                <a:solidFill>
+                  <a:srgbClr val="00549F"/>
+                </a:solidFill>
+                <a:latin typeface="Comic Sans MS" panose="030F0702030302020204" pitchFamily="66" charset="0"/>
+              </a:rPr>
+              <a:t>by</a:t>
+            </a:r>
+            <a:r>
+              <a:rPr lang="de-DE" sz="1400" i="1" dirty="0" smtClean="0">
+                <a:solidFill>
+                  <a:srgbClr val="00549F"/>
+                </a:solidFill>
+                <a:latin typeface="Comic Sans MS" panose="030F0702030302020204" pitchFamily="66" charset="0"/>
+              </a:rPr>
+              <a:t> </a:t>
+            </a:r>
+            <a:r>
+              <a:rPr lang="de-DE" sz="1400" i="1" dirty="0" err="1" smtClean="0">
+                <a:solidFill>
+                  <a:srgbClr val="00549F"/>
+                </a:solidFill>
+                <a:latin typeface="Comic Sans MS" panose="030F0702030302020204" pitchFamily="66" charset="0"/>
+              </a:rPr>
+              <a:t>SDBody</a:t>
+            </a:r>
+            <a:endParaRPr lang="en-US" sz="1400" i="1" dirty="0">
+              <a:solidFill>
+                <a:srgbClr val="00549F"/>
+              </a:solidFill>
+              <a:latin typeface="Comic Sans MS" panose="030F0702030302020204" pitchFamily="66" charset="0"/>
+            </a:endParaRPr>
+          </a:p>
+        </p:txBody>
+      </p:sp>
       <p:grpSp>
         <p:nvGrpSpPr>
-          <p:cNvPr id="3" name="Group 1081">
+          <p:cNvPr id="52" name="Group 1081">
             <a:extLst>
               <a:ext uri="{FF2B5EF4-FFF2-40B4-BE49-F238E27FC236}">
                 <a16:creationId xmlns:a16="http://schemas.microsoft.com/office/drawing/2014/main" id="{BE7C5964-7691-414E-8807-6024E7420318}"/>
@@ -6311,15 +6448,15 @@
         </p:nvGrpSpPr>
         <p:grpSpPr bwMode="auto">
           <a:xfrm>
-            <a:off x="2649909" y="2475513"/>
-            <a:ext cx="2816772" cy="741600"/>
-            <a:chOff x="3677" y="3216"/>
-            <a:chExt cx="1242" cy="528"/>
+            <a:off x="5568605" y="2687284"/>
+            <a:ext cx="2705644" cy="380632"/>
+            <a:chOff x="3700" y="3216"/>
+            <a:chExt cx="1193" cy="271"/>
           </a:xfrm>
         </p:grpSpPr>
         <p:sp>
           <p:nvSpPr>
-            <p:cNvPr id="4" name="Rectangle 1082">
+            <p:cNvPr id="53" name="Rectangle 1082">
               <a:extLst>
                 <a:ext uri="{FF2B5EF4-FFF2-40B4-BE49-F238E27FC236}">
                   <a16:creationId xmlns:a16="http://schemas.microsoft.com/office/drawing/2014/main" id="{6EBE3F40-E2BE-4E07-A017-31DB9C61355D}"/>
@@ -6333,8 +6470,8 @@
           </p:nvSpPr>
           <p:spPr bwMode="auto">
             <a:xfrm>
-              <a:off x="3792" y="3216"/>
-              <a:ext cx="1008" cy="528"/>
+              <a:off x="3715" y="3216"/>
+              <a:ext cx="1178" cy="271"/>
             </a:xfrm>
             <a:prstGeom prst="rect">
               <a:avLst/>
@@ -6359,7 +6496,7 @@
         </p:sp>
         <p:sp>
           <p:nvSpPr>
-            <p:cNvPr id="5" name="Text Box 1083">
+            <p:cNvPr id="54" name="Text Box 1083">
               <a:extLst>
                 <a:ext uri="{FF2B5EF4-FFF2-40B4-BE49-F238E27FC236}">
                   <a16:creationId xmlns:a16="http://schemas.microsoft.com/office/drawing/2014/main" id="{4FDD4C68-E188-427A-9B4F-E38F0DC74A3C}"/>
@@ -6373,8 +6510,8 @@
           </p:nvSpPr>
           <p:spPr bwMode="auto">
             <a:xfrm>
-              <a:off x="3677" y="3254"/>
-              <a:ext cx="1242" cy="219"/>
+              <a:off x="3700" y="3254"/>
+              <a:ext cx="1193" cy="219"/>
             </a:xfrm>
             <a:prstGeom prst="rect">
               <a:avLst/>
@@ -6395,23 +6532,627 @@
             <a:p>
               <a:pPr algn="ctr" eaLnBrk="0" hangingPunct="0"/>
               <a:r>
-                <a:rPr lang="en-US" altLang="de-DE" sz="1400" u="sng" dirty="0"/>
-                <a:t>:</a:t>
-              </a:r>
-              <a:r>
-                <a:rPr lang="en-US" altLang="de-DE" sz="1400" u="sng" dirty="0" err="1"/>
-                <a:t>SequenceDiagramSymbol</a:t>
+                <a:rPr lang="en-US" altLang="de-DE" sz="1400" u="sng" dirty="0" smtClean="0"/>
+                <a:t>:SD4DevelopmentArtifactScope</a:t>
               </a:r>
               <a:endParaRPr lang="en-US" altLang="de-DE" sz="1400" u="sng" dirty="0"/>
             </a:p>
           </p:txBody>
         </p:sp>
+      </p:grpSp>
+      <p:sp>
+        <p:nvSpPr>
+          <p:cNvPr id="58" name="Rectangle 1082">
+            <a:extLst>
+              <a:ext uri="{FF2B5EF4-FFF2-40B4-BE49-F238E27FC236}">
+                <a16:creationId xmlns:a16="http://schemas.microsoft.com/office/drawing/2014/main" id="{6EBE3F40-E2BE-4E07-A017-31DB9C61355D}"/>
+              </a:ext>
+            </a:extLst>
+          </p:cNvPr>
+          <p:cNvSpPr>
+            <a:spLocks noChangeArrowheads="1"/>
+          </p:cNvSpPr>
+          <p:nvPr/>
+        </p:nvSpPr>
+        <p:spPr bwMode="auto">
+          <a:xfrm>
+            <a:off x="3364249" y="3341370"/>
+            <a:ext cx="2683457" cy="741600"/>
+          </a:xfrm>
+          <a:prstGeom prst="rect">
+            <a:avLst/>
+          </a:prstGeom>
+          <a:noFill/>
+          <a:ln w="9525">
+            <a:solidFill>
+              <a:schemeClr val="tx1"/>
+            </a:solidFill>
+            <a:miter lim="800000"/>
+            <a:headEnd/>
+            <a:tailEnd/>
+          </a:ln>
+        </p:spPr>
+        <p:txBody>
+          <a:bodyPr wrap="none" anchor="ctr"/>
+          <a:lstStyle/>
+          <a:p>
+            <a:endParaRPr lang="en-US"/>
+          </a:p>
+        </p:txBody>
+      </p:sp>
+      <p:sp>
+        <p:nvSpPr>
+          <p:cNvPr id="59" name="Text Box 1083">
+            <a:extLst>
+              <a:ext uri="{FF2B5EF4-FFF2-40B4-BE49-F238E27FC236}">
+                <a16:creationId xmlns:a16="http://schemas.microsoft.com/office/drawing/2014/main" id="{4FDD4C68-E188-427A-9B4F-E38F0DC74A3C}"/>
+              </a:ext>
+            </a:extLst>
+          </p:cNvPr>
+          <p:cNvSpPr txBox="1">
+            <a:spLocks noChangeArrowheads="1"/>
+          </p:cNvSpPr>
+          <p:nvPr/>
+        </p:nvSpPr>
+        <p:spPr bwMode="auto">
+          <a:xfrm>
+            <a:off x="3364249" y="3394743"/>
+            <a:ext cx="2671625" cy="307595"/>
+          </a:xfrm>
+          <a:prstGeom prst="rect">
+            <a:avLst/>
+          </a:prstGeom>
+          <a:noFill/>
+          <a:ln w="9525">
+            <a:noFill/>
+            <a:miter lim="800000"/>
+            <a:headEnd/>
+            <a:tailEnd/>
+          </a:ln>
+        </p:spPr>
+        <p:txBody>
+          <a:bodyPr wrap="square">
+            <a:spAutoFit/>
+          </a:bodyPr>
+          <a:lstStyle/>
+          <a:p>
+            <a:pPr algn="ctr" eaLnBrk="0" hangingPunct="0"/>
+            <a:r>
+              <a:rPr lang="en-US" altLang="de-DE" sz="1400" u="sng" dirty="0" smtClean="0"/>
+              <a:t>:</a:t>
+            </a:r>
+            <a:r>
+              <a:rPr lang="en-US" altLang="de-DE" sz="1400" u="sng" dirty="0" err="1" smtClean="0"/>
+              <a:t>DiagramSymbol</a:t>
+            </a:r>
+            <a:endParaRPr lang="en-US" altLang="de-DE" sz="1400" u="sng" dirty="0"/>
+          </a:p>
+        </p:txBody>
+      </p:sp>
+      <p:sp>
+        <p:nvSpPr>
+          <p:cNvPr id="60" name="Rectangle 1084">
+            <a:extLst>
+              <a:ext uri="{FF2B5EF4-FFF2-40B4-BE49-F238E27FC236}">
+                <a16:creationId xmlns:a16="http://schemas.microsoft.com/office/drawing/2014/main" id="{09C32812-763E-4B73-8F4A-2B04469D3354}"/>
+              </a:ext>
+            </a:extLst>
+          </p:cNvPr>
+          <p:cNvSpPr>
+            <a:spLocks noChangeArrowheads="1"/>
+          </p:cNvSpPr>
+          <p:nvPr/>
+        </p:nvSpPr>
+        <p:spPr bwMode="auto">
+          <a:xfrm>
+            <a:off x="3364249" y="3745879"/>
+            <a:ext cx="2683457" cy="337091"/>
+          </a:xfrm>
+          <a:prstGeom prst="rect">
+            <a:avLst/>
+          </a:prstGeom>
+          <a:noFill/>
+          <a:ln w="9525">
+            <a:solidFill>
+              <a:schemeClr val="tx1"/>
+            </a:solidFill>
+            <a:miter lim="800000"/>
+            <a:headEnd/>
+            <a:tailEnd/>
+          </a:ln>
+        </p:spPr>
+        <p:txBody>
+          <a:bodyPr wrap="none" anchor="ctr"/>
+          <a:lstStyle/>
+          <a:p>
+            <a:endParaRPr lang="en-US"/>
+          </a:p>
+        </p:txBody>
+      </p:sp>
+      <p:sp>
+        <p:nvSpPr>
+          <p:cNvPr id="61" name="Text Box 1085">
+            <a:extLst>
+              <a:ext uri="{FF2B5EF4-FFF2-40B4-BE49-F238E27FC236}">
+                <a16:creationId xmlns:a16="http://schemas.microsoft.com/office/drawing/2014/main" id="{41A16585-08A4-44ED-80D7-E6ACC0A0AC4A}"/>
+              </a:ext>
+            </a:extLst>
+          </p:cNvPr>
+          <p:cNvSpPr txBox="1">
+            <a:spLocks noChangeArrowheads="1"/>
+          </p:cNvSpPr>
+          <p:nvPr/>
+        </p:nvSpPr>
+        <p:spPr bwMode="auto">
+          <a:xfrm>
+            <a:off x="3364249" y="3745879"/>
+            <a:ext cx="2071504" cy="307595"/>
+          </a:xfrm>
+          <a:prstGeom prst="rect">
+            <a:avLst/>
+          </a:prstGeom>
+          <a:noFill/>
+          <a:ln w="9525">
+            <a:noFill/>
+            <a:miter lim="800000"/>
+            <a:headEnd/>
+            <a:tailEnd/>
+          </a:ln>
+        </p:spPr>
+        <p:txBody>
+          <a:bodyPr wrap="square">
+            <a:spAutoFit/>
+          </a:bodyPr>
+          <a:lstStyle/>
+          <a:p>
+            <a:r>
+              <a:rPr lang="de-DE" sz="1400" dirty="0" err="1"/>
+              <a:t>name</a:t>
+            </a:r>
+            <a:r>
+              <a:rPr lang="de-DE" sz="1400" dirty="0"/>
+              <a:t> = </a:t>
+            </a:r>
+            <a:r>
+              <a:rPr lang="de-DE" sz="1400" dirty="0" smtClean="0"/>
+              <a:t>"Size"</a:t>
+            </a:r>
+            <a:endParaRPr lang="de-DE" sz="1400" dirty="0"/>
+          </a:p>
+        </p:txBody>
+      </p:sp>
+      <p:sp>
+        <p:nvSpPr>
+          <p:cNvPr id="62" name="Rectangle 1082">
+            <a:extLst>
+              <a:ext uri="{FF2B5EF4-FFF2-40B4-BE49-F238E27FC236}">
+                <a16:creationId xmlns:a16="http://schemas.microsoft.com/office/drawing/2014/main" id="{6EBE3F40-E2BE-4E07-A017-31DB9C61355D}"/>
+              </a:ext>
+            </a:extLst>
+          </p:cNvPr>
+          <p:cNvSpPr>
+            <a:spLocks noChangeArrowheads="1"/>
+          </p:cNvSpPr>
+          <p:nvPr/>
+        </p:nvSpPr>
+        <p:spPr bwMode="auto">
+          <a:xfrm>
+            <a:off x="3364249" y="4243608"/>
+            <a:ext cx="2683457" cy="971270"/>
+          </a:xfrm>
+          <a:prstGeom prst="rect">
+            <a:avLst/>
+          </a:prstGeom>
+          <a:noFill/>
+          <a:ln w="9525">
+            <a:solidFill>
+              <a:schemeClr val="tx1"/>
+            </a:solidFill>
+            <a:miter lim="800000"/>
+            <a:headEnd/>
+            <a:tailEnd/>
+          </a:ln>
+        </p:spPr>
+        <p:txBody>
+          <a:bodyPr wrap="none" anchor="ctr"/>
+          <a:lstStyle/>
+          <a:p>
+            <a:endParaRPr lang="en-US"/>
+          </a:p>
+        </p:txBody>
+      </p:sp>
+      <p:sp>
+        <p:nvSpPr>
+          <p:cNvPr id="63" name="Text Box 1083">
+            <a:extLst>
+              <a:ext uri="{FF2B5EF4-FFF2-40B4-BE49-F238E27FC236}">
+                <a16:creationId xmlns:a16="http://schemas.microsoft.com/office/drawing/2014/main" id="{4FDD4C68-E188-427A-9B4F-E38F0DC74A3C}"/>
+              </a:ext>
+            </a:extLst>
+          </p:cNvPr>
+          <p:cNvSpPr txBox="1">
+            <a:spLocks noChangeArrowheads="1"/>
+          </p:cNvSpPr>
+          <p:nvPr/>
+        </p:nvSpPr>
+        <p:spPr bwMode="auto">
+          <a:xfrm>
+            <a:off x="3364249" y="4296981"/>
+            <a:ext cx="2671625" cy="307595"/>
+          </a:xfrm>
+          <a:prstGeom prst="rect">
+            <a:avLst/>
+          </a:prstGeom>
+          <a:noFill/>
+          <a:ln w="9525">
+            <a:noFill/>
+            <a:miter lim="800000"/>
+            <a:headEnd/>
+            <a:tailEnd/>
+          </a:ln>
+        </p:spPr>
+        <p:txBody>
+          <a:bodyPr wrap="square">
+            <a:spAutoFit/>
+          </a:bodyPr>
+          <a:lstStyle/>
+          <a:p>
+            <a:pPr algn="ctr" eaLnBrk="0" hangingPunct="0"/>
+            <a:r>
+              <a:rPr lang="en-US" altLang="de-DE" sz="1400" u="sng" dirty="0" smtClean="0"/>
+              <a:t>:</a:t>
+            </a:r>
+            <a:r>
+              <a:rPr lang="en-US" altLang="de-DE" sz="1400" u="sng" dirty="0" err="1" smtClean="0"/>
+              <a:t>VariableSymbol</a:t>
+            </a:r>
+            <a:endParaRPr lang="en-US" altLang="de-DE" sz="1400" u="sng" dirty="0"/>
+          </a:p>
+        </p:txBody>
+      </p:sp>
+      <p:sp>
+        <p:nvSpPr>
+          <p:cNvPr id="64" name="Rectangle 1084">
+            <a:extLst>
+              <a:ext uri="{FF2B5EF4-FFF2-40B4-BE49-F238E27FC236}">
+                <a16:creationId xmlns:a16="http://schemas.microsoft.com/office/drawing/2014/main" id="{09C32812-763E-4B73-8F4A-2B04469D3354}"/>
+              </a:ext>
+            </a:extLst>
+          </p:cNvPr>
+          <p:cNvSpPr>
+            <a:spLocks noChangeArrowheads="1"/>
+          </p:cNvSpPr>
+          <p:nvPr/>
+        </p:nvSpPr>
+        <p:spPr bwMode="auto">
+          <a:xfrm>
+            <a:off x="3364249" y="4648117"/>
+            <a:ext cx="2683457" cy="566761"/>
+          </a:xfrm>
+          <a:prstGeom prst="rect">
+            <a:avLst/>
+          </a:prstGeom>
+          <a:noFill/>
+          <a:ln w="9525">
+            <a:solidFill>
+              <a:schemeClr val="tx1"/>
+            </a:solidFill>
+            <a:miter lim="800000"/>
+            <a:headEnd/>
+            <a:tailEnd/>
+          </a:ln>
+        </p:spPr>
+        <p:txBody>
+          <a:bodyPr wrap="none" anchor="ctr"/>
+          <a:lstStyle/>
+          <a:p>
+            <a:endParaRPr lang="en-US"/>
+          </a:p>
+        </p:txBody>
+      </p:sp>
+      <p:sp>
+        <p:nvSpPr>
+          <p:cNvPr id="65" name="Text Box 1085">
+            <a:extLst>
+              <a:ext uri="{FF2B5EF4-FFF2-40B4-BE49-F238E27FC236}">
+                <a16:creationId xmlns:a16="http://schemas.microsoft.com/office/drawing/2014/main" id="{41A16585-08A4-44ED-80D7-E6ACC0A0AC4A}"/>
+              </a:ext>
+            </a:extLst>
+          </p:cNvPr>
+          <p:cNvSpPr txBox="1">
+            <a:spLocks noChangeArrowheads="1"/>
+          </p:cNvSpPr>
+          <p:nvPr/>
+        </p:nvSpPr>
+        <p:spPr bwMode="auto">
+          <a:xfrm>
+            <a:off x="3364249" y="4648117"/>
+            <a:ext cx="2071504" cy="523220"/>
+          </a:xfrm>
+          <a:prstGeom prst="rect">
+            <a:avLst/>
+          </a:prstGeom>
+          <a:noFill/>
+          <a:ln w="9525">
+            <a:noFill/>
+            <a:miter lim="800000"/>
+            <a:headEnd/>
+            <a:tailEnd/>
+          </a:ln>
+        </p:spPr>
+        <p:txBody>
+          <a:bodyPr wrap="square">
+            <a:spAutoFit/>
+          </a:bodyPr>
+          <a:lstStyle/>
+          <a:p>
+            <a:r>
+              <a:rPr lang="de-DE" sz="1400" dirty="0" err="1"/>
+              <a:t>name</a:t>
+            </a:r>
+            <a:r>
+              <a:rPr lang="de-DE" sz="1400" dirty="0"/>
+              <a:t> = </a:t>
+            </a:r>
+            <a:r>
+              <a:rPr lang="de-DE" sz="1400" dirty="0"/>
+              <a:t>"</a:t>
+            </a:r>
+            <a:r>
+              <a:rPr lang="de-DE" sz="1400" dirty="0" smtClean="0"/>
+              <a:t>kupfer912"</a:t>
+            </a:r>
+            <a:endParaRPr lang="de-DE" sz="1400" dirty="0" smtClean="0"/>
+          </a:p>
+          <a:p>
+            <a:r>
+              <a:rPr lang="de-DE" sz="1400" dirty="0" smtClean="0"/>
+              <a:t>type </a:t>
+            </a:r>
+            <a:r>
+              <a:rPr lang="de-DE" sz="1400" dirty="0"/>
+              <a:t>= </a:t>
+            </a:r>
+            <a:r>
+              <a:rPr lang="de-DE" sz="1400" dirty="0" err="1" smtClean="0"/>
+              <a:t>Auction</a:t>
+            </a:r>
+            <a:endParaRPr lang="de-DE" sz="1400" dirty="0"/>
+          </a:p>
+        </p:txBody>
+      </p:sp>
+      <p:sp>
+        <p:nvSpPr>
+          <p:cNvPr id="67" name="Rectangle 1082">
+            <a:extLst>
+              <a:ext uri="{FF2B5EF4-FFF2-40B4-BE49-F238E27FC236}">
+                <a16:creationId xmlns:a16="http://schemas.microsoft.com/office/drawing/2014/main" id="{6EBE3F40-E2BE-4E07-A017-31DB9C61355D}"/>
+              </a:ext>
+            </a:extLst>
+          </p:cNvPr>
+          <p:cNvSpPr>
+            <a:spLocks noChangeArrowheads="1"/>
+          </p:cNvSpPr>
+          <p:nvPr/>
+        </p:nvSpPr>
+        <p:spPr bwMode="auto">
+          <a:xfrm>
+            <a:off x="3364249" y="5375516"/>
+            <a:ext cx="2683457" cy="971270"/>
+          </a:xfrm>
+          <a:prstGeom prst="rect">
+            <a:avLst/>
+          </a:prstGeom>
+          <a:noFill/>
+          <a:ln w="9525">
+            <a:solidFill>
+              <a:schemeClr val="tx1"/>
+            </a:solidFill>
+            <a:miter lim="800000"/>
+            <a:headEnd/>
+            <a:tailEnd/>
+          </a:ln>
+        </p:spPr>
+        <p:txBody>
+          <a:bodyPr wrap="none" anchor="ctr"/>
+          <a:lstStyle/>
+          <a:p>
+            <a:endParaRPr lang="en-US"/>
+          </a:p>
+        </p:txBody>
+      </p:sp>
+      <p:sp>
+        <p:nvSpPr>
+          <p:cNvPr id="68" name="Text Box 1083">
+            <a:extLst>
+              <a:ext uri="{FF2B5EF4-FFF2-40B4-BE49-F238E27FC236}">
+                <a16:creationId xmlns:a16="http://schemas.microsoft.com/office/drawing/2014/main" id="{4FDD4C68-E188-427A-9B4F-E38F0DC74A3C}"/>
+              </a:ext>
+            </a:extLst>
+          </p:cNvPr>
+          <p:cNvSpPr txBox="1">
+            <a:spLocks noChangeArrowheads="1"/>
+          </p:cNvSpPr>
+          <p:nvPr/>
+        </p:nvSpPr>
+        <p:spPr bwMode="auto">
+          <a:xfrm>
+            <a:off x="3364249" y="5428889"/>
+            <a:ext cx="2671625" cy="307595"/>
+          </a:xfrm>
+          <a:prstGeom prst="rect">
+            <a:avLst/>
+          </a:prstGeom>
+          <a:noFill/>
+          <a:ln w="9525">
+            <a:noFill/>
+            <a:miter lim="800000"/>
+            <a:headEnd/>
+            <a:tailEnd/>
+          </a:ln>
+        </p:spPr>
+        <p:txBody>
+          <a:bodyPr wrap="square">
+            <a:spAutoFit/>
+          </a:bodyPr>
+          <a:lstStyle/>
+          <a:p>
+            <a:pPr algn="ctr" eaLnBrk="0" hangingPunct="0"/>
+            <a:r>
+              <a:rPr lang="en-US" altLang="de-DE" sz="1400" u="sng" dirty="0" smtClean="0"/>
+              <a:t>:</a:t>
+            </a:r>
+            <a:r>
+              <a:rPr lang="en-US" altLang="de-DE" sz="1400" u="sng" dirty="0" err="1" smtClean="0"/>
+              <a:t>VariableSymbol</a:t>
+            </a:r>
+            <a:endParaRPr lang="en-US" altLang="de-DE" sz="1400" u="sng" dirty="0"/>
+          </a:p>
+        </p:txBody>
+      </p:sp>
+      <p:sp>
+        <p:nvSpPr>
+          <p:cNvPr id="69" name="Rectangle 1084">
+            <a:extLst>
+              <a:ext uri="{FF2B5EF4-FFF2-40B4-BE49-F238E27FC236}">
+                <a16:creationId xmlns:a16="http://schemas.microsoft.com/office/drawing/2014/main" id="{09C32812-763E-4B73-8F4A-2B04469D3354}"/>
+              </a:ext>
+            </a:extLst>
+          </p:cNvPr>
+          <p:cNvSpPr>
+            <a:spLocks noChangeArrowheads="1"/>
+          </p:cNvSpPr>
+          <p:nvPr/>
+        </p:nvSpPr>
+        <p:spPr bwMode="auto">
+          <a:xfrm>
+            <a:off x="3364249" y="5780025"/>
+            <a:ext cx="2683457" cy="566761"/>
+          </a:xfrm>
+          <a:prstGeom prst="rect">
+            <a:avLst/>
+          </a:prstGeom>
+          <a:noFill/>
+          <a:ln w="9525">
+            <a:solidFill>
+              <a:schemeClr val="tx1"/>
+            </a:solidFill>
+            <a:miter lim="800000"/>
+            <a:headEnd/>
+            <a:tailEnd/>
+          </a:ln>
+        </p:spPr>
+        <p:txBody>
+          <a:bodyPr wrap="none" anchor="ctr"/>
+          <a:lstStyle/>
+          <a:p>
+            <a:endParaRPr lang="en-US"/>
+          </a:p>
+        </p:txBody>
+      </p:sp>
+      <p:sp>
+        <p:nvSpPr>
+          <p:cNvPr id="70" name="Text Box 1085">
+            <a:extLst>
+              <a:ext uri="{FF2B5EF4-FFF2-40B4-BE49-F238E27FC236}">
+                <a16:creationId xmlns:a16="http://schemas.microsoft.com/office/drawing/2014/main" id="{41A16585-08A4-44ED-80D7-E6ACC0A0AC4A}"/>
+              </a:ext>
+            </a:extLst>
+          </p:cNvPr>
+          <p:cNvSpPr txBox="1">
+            <a:spLocks noChangeArrowheads="1"/>
+          </p:cNvSpPr>
+          <p:nvPr/>
+        </p:nvSpPr>
+        <p:spPr bwMode="auto">
+          <a:xfrm>
+            <a:off x="3364249" y="5780025"/>
+            <a:ext cx="2071504" cy="523220"/>
+          </a:xfrm>
+          <a:prstGeom prst="rect">
+            <a:avLst/>
+          </a:prstGeom>
+          <a:noFill/>
+          <a:ln w="9525">
+            <a:noFill/>
+            <a:miter lim="800000"/>
+            <a:headEnd/>
+            <a:tailEnd/>
+          </a:ln>
+        </p:spPr>
+        <p:txBody>
+          <a:bodyPr wrap="square">
+            <a:spAutoFit/>
+          </a:bodyPr>
+          <a:lstStyle/>
+          <a:p>
+            <a:r>
+              <a:rPr lang="de-DE" sz="1400" dirty="0" err="1"/>
+              <a:t>name</a:t>
+            </a:r>
+            <a:r>
+              <a:rPr lang="de-DE" sz="1400" dirty="0"/>
+              <a:t> = </a:t>
+            </a:r>
+            <a:r>
+              <a:rPr lang="de-DE" sz="1400" dirty="0"/>
+              <a:t>"</a:t>
+            </a:r>
+            <a:r>
+              <a:rPr lang="de-DE" sz="1400" dirty="0" err="1" smtClean="0"/>
+              <a:t>theo</a:t>
+            </a:r>
+            <a:r>
+              <a:rPr lang="de-DE" sz="1400" dirty="0" smtClean="0"/>
+              <a:t>"</a:t>
+            </a:r>
+            <a:endParaRPr lang="de-DE" sz="1400" dirty="0" smtClean="0"/>
+          </a:p>
+          <a:p>
+            <a:r>
+              <a:rPr lang="de-DE" sz="1400" dirty="0" smtClean="0"/>
+              <a:t>type </a:t>
+            </a:r>
+            <a:r>
+              <a:rPr lang="de-DE" sz="1400" dirty="0"/>
+              <a:t>= </a:t>
+            </a:r>
+            <a:r>
+              <a:rPr lang="de-DE" sz="1400" dirty="0" smtClean="0"/>
+              <a:t>Person</a:t>
+            </a:r>
+            <a:endParaRPr lang="de-DE" sz="1400" dirty="0"/>
+          </a:p>
+        </p:txBody>
+      </p:sp>
+      <p:grpSp>
+        <p:nvGrpSpPr>
+          <p:cNvPr id="71" name="Group 1081">
+            <a:extLst>
+              <a:ext uri="{FF2B5EF4-FFF2-40B4-BE49-F238E27FC236}">
+                <a16:creationId xmlns:a16="http://schemas.microsoft.com/office/drawing/2014/main" id="{BE7C5964-7691-414E-8807-6024E7420318}"/>
+              </a:ext>
+            </a:extLst>
+          </p:cNvPr>
+          <p:cNvGrpSpPr>
+            <a:grpSpLocks/>
+          </p:cNvGrpSpPr>
+          <p:nvPr/>
+        </p:nvGrpSpPr>
+        <p:grpSpPr bwMode="auto">
+          <a:xfrm>
+            <a:off x="7114371" y="3336729"/>
+            <a:ext cx="2671625" cy="380632"/>
+            <a:chOff x="3715" y="3216"/>
+            <a:chExt cx="1178" cy="271"/>
+          </a:xfrm>
+        </p:grpSpPr>
         <p:sp>
           <p:nvSpPr>
-            <p:cNvPr id="6" name="Rectangle 1084">
+            <p:cNvPr id="72" name="Rectangle 1082">
               <a:extLst>
                 <a:ext uri="{FF2B5EF4-FFF2-40B4-BE49-F238E27FC236}">
-                  <a16:creationId xmlns:a16="http://schemas.microsoft.com/office/drawing/2014/main" id="{09C32812-763E-4B73-8F4A-2B04469D3354}"/>
+                  <a16:creationId xmlns:a16="http://schemas.microsoft.com/office/drawing/2014/main" id="{6EBE3F40-E2BE-4E07-A017-31DB9C61355D}"/>
                 </a:ext>
               </a:extLst>
             </p:cNvPr>
@@ -6422,8 +7163,8 @@
           </p:nvSpPr>
           <p:spPr bwMode="auto">
             <a:xfrm>
-              <a:off x="3792" y="3504"/>
-              <a:ext cx="1008" cy="240"/>
+              <a:off x="3715" y="3216"/>
+              <a:ext cx="1178" cy="271"/>
             </a:xfrm>
             <a:prstGeom prst="rect">
               <a:avLst/>
@@ -6448,10 +7189,10 @@
         </p:sp>
         <p:sp>
           <p:nvSpPr>
-            <p:cNvPr id="7" name="Text Box 1085">
+            <p:cNvPr id="73" name="Text Box 1083">
               <a:extLst>
                 <a:ext uri="{FF2B5EF4-FFF2-40B4-BE49-F238E27FC236}">
-                  <a16:creationId xmlns:a16="http://schemas.microsoft.com/office/drawing/2014/main" id="{41A16585-08A4-44ED-80D7-E6ACC0A0AC4A}"/>
+                  <a16:creationId xmlns:a16="http://schemas.microsoft.com/office/drawing/2014/main" id="{4FDD4C68-E188-427A-9B4F-E38F0DC74A3C}"/>
                 </a:ext>
               </a:extLst>
             </p:cNvPr>
@@ -6462,127 +7203,8 @@
           </p:nvSpPr>
           <p:spPr bwMode="auto">
             <a:xfrm>
-              <a:off x="3792" y="3504"/>
-              <a:ext cx="1053" cy="219"/>
-            </a:xfrm>
-            <a:prstGeom prst="rect">
-              <a:avLst/>
-            </a:prstGeom>
-            <a:noFill/>
-            <a:ln w="9525">
-              <a:noFill/>
-              <a:miter lim="800000"/>
-              <a:headEnd/>
-              <a:tailEnd/>
-            </a:ln>
-          </p:spPr>
-          <p:txBody>
-            <a:bodyPr wrap="square">
-              <a:spAutoFit/>
-            </a:bodyPr>
-            <a:lstStyle/>
-            <a:p>
-              <a:r>
-                <a:rPr lang="de-DE" sz="1400" dirty="0" err="1"/>
-                <a:t>name</a:t>
-              </a:r>
-              <a:r>
-                <a:rPr lang="de-DE" sz="1400" dirty="0"/>
-                <a:t> = </a:t>
-              </a:r>
-              <a:r>
-                <a:rPr lang="de-DE" sz="1400" dirty="0" smtClean="0"/>
-                <a:t>"Size</a:t>
-              </a:r>
-              <a:r>
-                <a:rPr lang="de-DE" sz="1400" dirty="0" smtClean="0"/>
-                <a:t>"</a:t>
-              </a:r>
-              <a:endParaRPr lang="de-DE" sz="1400" dirty="0"/>
-            </a:p>
-          </p:txBody>
-        </p:sp>
-      </p:grpSp>
-      <p:grpSp>
-        <p:nvGrpSpPr>
-          <p:cNvPr id="8" name="Group 1081">
-            <a:extLst>
-              <a:ext uri="{FF2B5EF4-FFF2-40B4-BE49-F238E27FC236}">
-                <a16:creationId xmlns:a16="http://schemas.microsoft.com/office/drawing/2014/main" id="{ED23DA4F-9B69-49F7-8C1C-01FC826DA0A1}"/>
-              </a:ext>
-            </a:extLst>
-          </p:cNvPr>
-          <p:cNvGrpSpPr>
-            <a:grpSpLocks/>
-          </p:cNvGrpSpPr>
-          <p:nvPr/>
-        </p:nvGrpSpPr>
-        <p:grpSpPr bwMode="auto">
-          <a:xfrm>
-            <a:off x="1941401" y="4790176"/>
-            <a:ext cx="1962000" cy="1082904"/>
-            <a:chOff x="3792" y="3216"/>
-            <a:chExt cx="1053" cy="771"/>
-          </a:xfrm>
-        </p:grpSpPr>
-        <p:sp>
-          <p:nvSpPr>
-            <p:cNvPr id="9" name="Rectangle 1082">
-              <a:extLst>
-                <a:ext uri="{FF2B5EF4-FFF2-40B4-BE49-F238E27FC236}">
-                  <a16:creationId xmlns:a16="http://schemas.microsoft.com/office/drawing/2014/main" id="{DE1190FE-EB52-4F36-B1DA-A3E621053BE1}"/>
-                </a:ext>
-              </a:extLst>
-            </p:cNvPr>
-            <p:cNvSpPr>
-              <a:spLocks noChangeArrowheads="1"/>
-            </p:cNvSpPr>
-            <p:nvPr/>
-          </p:nvSpPr>
-          <p:spPr bwMode="auto">
-            <a:xfrm>
-              <a:off x="3792" y="3216"/>
-              <a:ext cx="1008" cy="771"/>
-            </a:xfrm>
-            <a:prstGeom prst="rect">
-              <a:avLst/>
-            </a:prstGeom>
-            <a:noFill/>
-            <a:ln w="9525">
-              <a:solidFill>
-                <a:schemeClr val="tx1"/>
-              </a:solidFill>
-              <a:miter lim="800000"/>
-              <a:headEnd/>
-              <a:tailEnd/>
-            </a:ln>
-          </p:spPr>
-          <p:txBody>
-            <a:bodyPr wrap="none" anchor="ctr"/>
-            <a:lstStyle/>
-            <a:p>
-              <a:endParaRPr lang="en-US"/>
-            </a:p>
-          </p:txBody>
-        </p:sp>
-        <p:sp>
-          <p:nvSpPr>
-            <p:cNvPr id="10" name="Text Box 1083">
-              <a:extLst>
-                <a:ext uri="{FF2B5EF4-FFF2-40B4-BE49-F238E27FC236}">
-                  <a16:creationId xmlns:a16="http://schemas.microsoft.com/office/drawing/2014/main" id="{D5C9014E-5F1B-4A47-B74A-DCFD1678D8A3}"/>
-                </a:ext>
-              </a:extLst>
-            </p:cNvPr>
-            <p:cNvSpPr txBox="1">
-              <a:spLocks noChangeArrowheads="1"/>
-            </p:cNvSpPr>
-            <p:nvPr/>
-          </p:nvSpPr>
-          <p:spPr bwMode="auto">
-            <a:xfrm>
-              <a:off x="3987" y="3254"/>
-              <a:ext cx="610" cy="194"/>
+              <a:off x="3821" y="3254"/>
+              <a:ext cx="947" cy="219"/>
             </a:xfrm>
             <a:prstGeom prst="rect">
               <a:avLst/>
@@ -6603,334 +7225,34 @@
             <a:p>
               <a:pPr algn="ctr" eaLnBrk="0" hangingPunct="0"/>
               <a:r>
-                <a:rPr lang="en-US" altLang="de-DE" sz="1400" u="sng" dirty="0"/>
-                <a:t>:</a:t>
-              </a:r>
-              <a:r>
-                <a:rPr lang="en-US" altLang="de-DE" sz="1400" u="sng" dirty="0" err="1"/>
-                <a:t>VariableSymbol</a:t>
-              </a:r>
-              <a:endParaRPr lang="en-US" altLang="de-DE" sz="1400" u="sng" dirty="0"/>
-            </a:p>
-          </p:txBody>
-        </p:sp>
-        <p:sp>
-          <p:nvSpPr>
-            <p:cNvPr id="11" name="Rectangle 1084">
-              <a:extLst>
-                <a:ext uri="{FF2B5EF4-FFF2-40B4-BE49-F238E27FC236}">
-                  <a16:creationId xmlns:a16="http://schemas.microsoft.com/office/drawing/2014/main" id="{DB57FA4A-F2A9-4E5F-9471-DB8CD9DA3635}"/>
-                </a:ext>
-              </a:extLst>
-            </p:cNvPr>
-            <p:cNvSpPr>
-              <a:spLocks noChangeArrowheads="1"/>
-            </p:cNvSpPr>
-            <p:nvPr/>
-          </p:nvSpPr>
-          <p:spPr bwMode="auto">
-            <a:xfrm>
-              <a:off x="3792" y="3504"/>
-              <a:ext cx="1008" cy="483"/>
-            </a:xfrm>
-            <a:prstGeom prst="rect">
-              <a:avLst/>
-            </a:prstGeom>
-            <a:noFill/>
-            <a:ln w="9525">
-              <a:solidFill>
-                <a:schemeClr val="tx1"/>
-              </a:solidFill>
-              <a:miter lim="800000"/>
-              <a:headEnd/>
-              <a:tailEnd/>
-            </a:ln>
-          </p:spPr>
-          <p:txBody>
-            <a:bodyPr wrap="none" anchor="ctr"/>
-            <a:lstStyle/>
-            <a:p>
-              <a:endParaRPr lang="en-US"/>
-            </a:p>
-          </p:txBody>
-        </p:sp>
-        <p:sp>
-          <p:nvSpPr>
-            <p:cNvPr id="12" name="Text Box 1085">
-              <a:extLst>
-                <a:ext uri="{FF2B5EF4-FFF2-40B4-BE49-F238E27FC236}">
-                  <a16:creationId xmlns:a16="http://schemas.microsoft.com/office/drawing/2014/main" id="{378EF369-3851-41EE-862A-9E7F4C669799}"/>
-                </a:ext>
-              </a:extLst>
-            </p:cNvPr>
-            <p:cNvSpPr txBox="1">
-              <a:spLocks noChangeArrowheads="1"/>
-            </p:cNvSpPr>
-            <p:nvPr/>
-          </p:nvSpPr>
-          <p:spPr bwMode="auto">
-            <a:xfrm>
-              <a:off x="3792" y="3515"/>
-              <a:ext cx="1053" cy="219"/>
-            </a:xfrm>
-            <a:prstGeom prst="rect">
-              <a:avLst/>
-            </a:prstGeom>
-            <a:noFill/>
-            <a:ln w="9525">
-              <a:noFill/>
-              <a:miter lim="800000"/>
-              <a:headEnd/>
-              <a:tailEnd/>
-            </a:ln>
-          </p:spPr>
-          <p:txBody>
-            <a:bodyPr wrap="square">
-              <a:spAutoFit/>
-            </a:bodyPr>
-            <a:lstStyle/>
-            <a:p>
-              <a:r>
-                <a:rPr lang="de-DE" sz="1400" dirty="0" err="1"/>
-                <a:t>name</a:t>
-              </a:r>
-              <a:r>
-                <a:rPr lang="de-DE" sz="1400" dirty="0"/>
-                <a:t> = "kupfer912"</a:t>
+                <a:rPr lang="en-US" altLang="de-DE" sz="1400" u="sng" dirty="0" smtClean="0"/>
+                <a:t>:SD4DevelopmentScope</a:t>
               </a:r>
               <a:endParaRPr lang="en-US" altLang="de-DE" sz="1400" u="sng" dirty="0"/>
             </a:p>
           </p:txBody>
         </p:sp>
       </p:grpSp>
-      <p:grpSp>
-        <p:nvGrpSpPr>
-          <p:cNvPr id="13" name="Group 1081">
+      <p:sp>
+        <p:nvSpPr>
+          <p:cNvPr id="74" name="Rectangle 1082">
             <a:extLst>
               <a:ext uri="{FF2B5EF4-FFF2-40B4-BE49-F238E27FC236}">
-                <a16:creationId xmlns:a16="http://schemas.microsoft.com/office/drawing/2014/main" id="{C89DF27D-8D3F-40C4-955E-079F7712AF12}"/>
+                <a16:creationId xmlns:a16="http://schemas.microsoft.com/office/drawing/2014/main" id="{6EBE3F40-E2BE-4E07-A017-31DB9C61355D}"/>
               </a:ext>
             </a:extLst>
           </p:cNvPr>
-          <p:cNvGrpSpPr>
-            <a:grpSpLocks/>
-          </p:cNvGrpSpPr>
+          <p:cNvSpPr>
+            <a:spLocks noChangeArrowheads="1"/>
+          </p:cNvSpPr>
           <p:nvPr/>
-        </p:nvGrpSpPr>
-        <p:grpSpPr bwMode="auto">
-          <a:xfrm>
-            <a:off x="2572279" y="3655762"/>
-            <a:ext cx="2326672" cy="741600"/>
-            <a:chOff x="3719" y="3216"/>
-            <a:chExt cx="1152" cy="528"/>
-          </a:xfrm>
-        </p:grpSpPr>
-        <p:sp>
-          <p:nvSpPr>
-            <p:cNvPr id="14" name="Rectangle 1082">
-              <a:extLst>
-                <a:ext uri="{FF2B5EF4-FFF2-40B4-BE49-F238E27FC236}">
-                  <a16:creationId xmlns:a16="http://schemas.microsoft.com/office/drawing/2014/main" id="{EC3DB595-9CAB-4A89-9DEA-E3B44A79DCF2}"/>
-                </a:ext>
-              </a:extLst>
-            </p:cNvPr>
-            <p:cNvSpPr>
-              <a:spLocks noChangeArrowheads="1"/>
-            </p:cNvSpPr>
-            <p:nvPr/>
-          </p:nvSpPr>
-          <p:spPr bwMode="auto">
-            <a:xfrm>
-              <a:off x="3792" y="3216"/>
-              <a:ext cx="1008" cy="528"/>
-            </a:xfrm>
-            <a:prstGeom prst="rect">
-              <a:avLst/>
-            </a:prstGeom>
-            <a:noFill/>
-            <a:ln w="9525">
-              <a:solidFill>
-                <a:schemeClr val="tx1"/>
-              </a:solidFill>
-              <a:miter lim="800000"/>
-              <a:headEnd/>
-              <a:tailEnd/>
-            </a:ln>
-          </p:spPr>
-          <p:txBody>
-            <a:bodyPr wrap="none" anchor="ctr"/>
-            <a:lstStyle/>
-            <a:p>
-              <a:endParaRPr lang="en-US"/>
-            </a:p>
-          </p:txBody>
-        </p:sp>
-        <p:sp>
-          <p:nvSpPr>
-            <p:cNvPr id="15" name="Text Box 1083">
-              <a:extLst>
-                <a:ext uri="{FF2B5EF4-FFF2-40B4-BE49-F238E27FC236}">
-                  <a16:creationId xmlns:a16="http://schemas.microsoft.com/office/drawing/2014/main" id="{6431C9E9-F032-4E62-91D4-217ECAC4A612}"/>
-                </a:ext>
-              </a:extLst>
-            </p:cNvPr>
-            <p:cNvSpPr txBox="1">
-              <a:spLocks noChangeArrowheads="1"/>
-            </p:cNvSpPr>
-            <p:nvPr/>
-          </p:nvSpPr>
-          <p:spPr bwMode="auto">
-            <a:xfrm>
-              <a:off x="3719" y="3254"/>
-              <a:ext cx="1152" cy="219"/>
-            </a:xfrm>
-            <a:prstGeom prst="rect">
-              <a:avLst/>
-            </a:prstGeom>
-            <a:noFill/>
-            <a:ln w="9525">
-              <a:noFill/>
-              <a:miter lim="800000"/>
-              <a:headEnd/>
-              <a:tailEnd/>
-            </a:ln>
-          </p:spPr>
-          <p:txBody>
-            <a:bodyPr wrap="none">
-              <a:spAutoFit/>
-            </a:bodyPr>
-            <a:lstStyle/>
-            <a:p>
-              <a:pPr algn="ctr" eaLnBrk="0" hangingPunct="0"/>
-              <a:r>
-                <a:rPr lang="en-US" altLang="de-DE" sz="1400" u="sng" dirty="0"/>
-                <a:t>:</a:t>
-              </a:r>
-              <a:r>
-                <a:rPr lang="en-US" altLang="de-DE" sz="1400" u="sng" dirty="0" smtClean="0"/>
-                <a:t>SD4DevelopmentScope</a:t>
-              </a:r>
-              <a:endParaRPr lang="en-US" altLang="de-DE" sz="1400" u="sng" dirty="0"/>
-            </a:p>
-          </p:txBody>
-        </p:sp>
-        <p:sp>
-          <p:nvSpPr>
-            <p:cNvPr id="16" name="Rectangle 1084">
-              <a:extLst>
-                <a:ext uri="{FF2B5EF4-FFF2-40B4-BE49-F238E27FC236}">
-                  <a16:creationId xmlns:a16="http://schemas.microsoft.com/office/drawing/2014/main" id="{D4EBD051-63A1-401D-8B28-A7D6CCDB4326}"/>
-                </a:ext>
-              </a:extLst>
-            </p:cNvPr>
-            <p:cNvSpPr>
-              <a:spLocks noChangeArrowheads="1"/>
-            </p:cNvSpPr>
-            <p:nvPr/>
-          </p:nvSpPr>
-          <p:spPr bwMode="auto">
-            <a:xfrm>
-              <a:off x="3792" y="3504"/>
-              <a:ext cx="1008" cy="240"/>
-            </a:xfrm>
-            <a:prstGeom prst="rect">
-              <a:avLst/>
-            </a:prstGeom>
-            <a:noFill/>
-            <a:ln w="9525">
-              <a:solidFill>
-                <a:schemeClr val="tx1"/>
-              </a:solidFill>
-              <a:miter lim="800000"/>
-              <a:headEnd/>
-              <a:tailEnd/>
-            </a:ln>
-          </p:spPr>
-          <p:txBody>
-            <a:bodyPr wrap="none" anchor="ctr"/>
-            <a:lstStyle/>
-            <a:p>
-              <a:endParaRPr lang="en-US"/>
-            </a:p>
-          </p:txBody>
-        </p:sp>
-        <p:sp>
-          <p:nvSpPr>
-            <p:cNvPr id="17" name="Text Box 1085">
-              <a:extLst>
-                <a:ext uri="{FF2B5EF4-FFF2-40B4-BE49-F238E27FC236}">
-                  <a16:creationId xmlns:a16="http://schemas.microsoft.com/office/drawing/2014/main" id="{60EE0E85-7800-4B1B-B715-68E215AF899A}"/>
-                </a:ext>
-              </a:extLst>
-            </p:cNvPr>
-            <p:cNvSpPr txBox="1">
-              <a:spLocks noChangeArrowheads="1"/>
-            </p:cNvSpPr>
-            <p:nvPr/>
-          </p:nvSpPr>
-          <p:spPr bwMode="auto">
-            <a:xfrm>
-              <a:off x="3792" y="3504"/>
-              <a:ext cx="1053" cy="219"/>
-            </a:xfrm>
-            <a:prstGeom prst="rect">
-              <a:avLst/>
-            </a:prstGeom>
-            <a:noFill/>
-            <a:ln w="9525">
-              <a:noFill/>
-              <a:miter lim="800000"/>
-              <a:headEnd/>
-              <a:tailEnd/>
-            </a:ln>
-          </p:spPr>
-          <p:txBody>
-            <a:bodyPr wrap="square">
-              <a:spAutoFit/>
-            </a:bodyPr>
-            <a:lstStyle/>
-            <a:p>
-              <a:r>
-                <a:rPr lang="de-DE" sz="1400" dirty="0" err="1"/>
-                <a:t>name</a:t>
-              </a:r>
-              <a:r>
-                <a:rPr lang="de-DE" sz="1400" dirty="0"/>
-                <a:t> = </a:t>
-              </a:r>
-              <a:r>
-                <a:rPr lang="de-DE" sz="1400" dirty="0" smtClean="0"/>
-                <a:t>"Size</a:t>
-              </a:r>
-              <a:r>
-                <a:rPr lang="de-DE" sz="1400" dirty="0" smtClean="0"/>
-                <a:t>"</a:t>
-              </a:r>
-              <a:endParaRPr lang="de-DE" sz="1400" dirty="0"/>
-            </a:p>
-          </p:txBody>
-        </p:sp>
-      </p:grpSp>
-      <p:sp>
-        <p:nvSpPr>
-          <p:cNvPr id="18" name="Line 1086">
-            <a:extLst>
-              <a:ext uri="{FF2B5EF4-FFF2-40B4-BE49-F238E27FC236}">
-                <a16:creationId xmlns:a16="http://schemas.microsoft.com/office/drawing/2014/main" id="{287637FA-3659-485E-98DE-42C7FD65E925}"/>
-              </a:ext>
-            </a:extLst>
-          </p:cNvPr>
-          <p:cNvSpPr>
-            <a:spLocks noChangeShapeType="1"/>
-          </p:cNvSpPr>
-          <p:nvPr/>
         </p:nvSpPr>
         <p:spPr bwMode="auto">
           <a:xfrm>
-            <a:off x="3687633" y="3225351"/>
-            <a:ext cx="0" cy="427431"/>
-          </a:xfrm>
-          <a:prstGeom prst="line">
+            <a:off x="7722383" y="4042321"/>
+            <a:ext cx="2683457" cy="971270"/>
+          </a:xfrm>
+          <a:prstGeom prst="rect">
             <a:avLst/>
           </a:prstGeom>
           <a:noFill/>
@@ -6938,146 +7260,25 @@
             <a:solidFill>
               <a:schemeClr val="tx1"/>
             </a:solidFill>
-            <a:round/>
+            <a:miter lim="800000"/>
             <a:headEnd/>
-            <a:tailEnd type="triangle" w="med" len="med"/>
+            <a:tailEnd/>
           </a:ln>
         </p:spPr>
         <p:txBody>
-          <a:bodyPr anchor="ctr"/>
+          <a:bodyPr wrap="none" anchor="ctr"/>
           <a:lstStyle/>
           <a:p>
-            <a:endParaRPr lang="de-DE" dirty="0"/>
-          </a:p>
-        </p:txBody>
-      </p:sp>
-      <p:cxnSp>
-        <p:nvCxnSpPr>
-          <p:cNvPr id="19" name="Verbinder: gewinkelt 145">
+            <a:endParaRPr lang="en-US"/>
+          </a:p>
+        </p:txBody>
+      </p:sp>
+      <p:sp>
+        <p:nvSpPr>
+          <p:cNvPr id="75" name="Text Box 1083">
             <a:extLst>
               <a:ext uri="{FF2B5EF4-FFF2-40B4-BE49-F238E27FC236}">
-                <a16:creationId xmlns:a16="http://schemas.microsoft.com/office/drawing/2014/main" id="{B22E6D2C-CEEA-47E6-9A5E-31D3ADEA16FA}"/>
-              </a:ext>
-            </a:extLst>
-          </p:cNvPr>
-          <p:cNvCxnSpPr>
-            <a:cxnSpLocks/>
-          </p:cNvCxnSpPr>
-          <p:nvPr/>
-        </p:nvCxnSpPr>
-        <p:spPr>
-          <a:xfrm rot="5400000">
-            <a:off x="6164831" y="4757501"/>
-            <a:ext cx="970403" cy="231485"/>
-          </a:xfrm>
-          <a:prstGeom prst="bentConnector2">
-            <a:avLst/>
-          </a:prstGeom>
-          <a:ln>
-            <a:tailEnd type="triangle"/>
-          </a:ln>
-        </p:spPr>
-        <p:style>
-          <a:lnRef idx="1">
-            <a:schemeClr val="dk1"/>
-          </a:lnRef>
-          <a:fillRef idx="0">
-            <a:schemeClr val="dk1"/>
-          </a:fillRef>
-          <a:effectRef idx="0">
-            <a:schemeClr val="dk1"/>
-          </a:effectRef>
-          <a:fontRef idx="minor">
-            <a:schemeClr val="tx1"/>
-          </a:fontRef>
-        </p:style>
-      </p:cxnSp>
-      <p:sp>
-        <p:nvSpPr>
-          <p:cNvPr id="20" name="Line 1086">
-            <a:extLst>
-              <a:ext uri="{FF2B5EF4-FFF2-40B4-BE49-F238E27FC236}">
-                <a16:creationId xmlns:a16="http://schemas.microsoft.com/office/drawing/2014/main" id="{9267AAAD-796B-45E8-B447-F0A7E21CC342}"/>
-              </a:ext>
-            </a:extLst>
-          </p:cNvPr>
-          <p:cNvSpPr>
-            <a:spLocks noChangeShapeType="1"/>
-          </p:cNvSpPr>
-          <p:nvPr/>
-        </p:nvSpPr>
-        <p:spPr bwMode="auto">
-          <a:xfrm>
-            <a:off x="4371716" y="4402076"/>
-            <a:ext cx="0" cy="1629154"/>
-          </a:xfrm>
-          <a:prstGeom prst="line">
-            <a:avLst/>
-          </a:prstGeom>
-          <a:noFill/>
-          <a:ln w="9525">
-            <a:solidFill>
-              <a:schemeClr val="tx1"/>
-            </a:solidFill>
-            <a:round/>
-            <a:headEnd/>
-            <a:tailEnd type="triangle" w="med" len="med"/>
-          </a:ln>
-        </p:spPr>
-        <p:txBody>
-          <a:bodyPr anchor="ctr"/>
-          <a:lstStyle/>
-          <a:p>
-            <a:endParaRPr lang="de-DE"/>
-          </a:p>
-        </p:txBody>
-      </p:sp>
-      <p:sp>
-        <p:nvSpPr>
-          <p:cNvPr id="21" name="Line 1086">
-            <a:extLst>
-              <a:ext uri="{FF2B5EF4-FFF2-40B4-BE49-F238E27FC236}">
-                <a16:creationId xmlns:a16="http://schemas.microsoft.com/office/drawing/2014/main" id="{78324027-C595-42EB-89A5-C3621B4C2428}"/>
-              </a:ext>
-            </a:extLst>
-          </p:cNvPr>
-          <p:cNvSpPr>
-            <a:spLocks noChangeShapeType="1"/>
-          </p:cNvSpPr>
-          <p:nvPr/>
-        </p:nvSpPr>
-        <p:spPr bwMode="auto">
-          <a:xfrm flipV="1">
-            <a:off x="4759287" y="4136482"/>
-            <a:ext cx="681696" cy="0"/>
-          </a:xfrm>
-          <a:prstGeom prst="line">
-            <a:avLst/>
-          </a:prstGeom>
-          <a:noFill/>
-          <a:ln w="9525">
-            <a:solidFill>
-              <a:schemeClr val="tx1"/>
-            </a:solidFill>
-            <a:round/>
-            <a:headEnd/>
-            <a:tailEnd type="triangle" w="med" len="med"/>
-          </a:ln>
-        </p:spPr>
-        <p:txBody>
-          <a:bodyPr anchor="ctr"/>
-          <a:lstStyle/>
-          <a:p>
-            <a:endParaRPr lang="de-DE" dirty="0"/>
-          </a:p>
-        </p:txBody>
-      </p:sp>
-      <p:sp>
-        <p:nvSpPr>
-          <p:cNvPr id="22" name="Text Box 1085">
-            <a:extLst>
-              <a:ext uri="{FF2B5EF4-FFF2-40B4-BE49-F238E27FC236}">
-                <a16:creationId xmlns:a16="http://schemas.microsoft.com/office/drawing/2014/main" id="{48D61797-025F-4D63-ACEE-449B00E8FF54}"/>
+                <a16:creationId xmlns:a16="http://schemas.microsoft.com/office/drawing/2014/main" id="{4FDD4C68-E188-427A-9B4F-E38F0DC74A3C}"/>
               </a:ext>
             </a:extLst>
           </p:cNvPr>
@@ -7088,8 +7289,8 @@
         </p:nvSpPr>
         <p:spPr bwMode="auto">
           <a:xfrm>
-            <a:off x="1953312" y="5511771"/>
-            <a:ext cx="1962000" cy="307595"/>
+            <a:off x="7722383" y="4095694"/>
+            <a:ext cx="2671625" cy="307595"/>
           </a:xfrm>
           <a:prstGeom prst="rect">
             <a:avLst/>
@@ -7108,232 +7309,65 @@
           </a:bodyPr>
           <a:lstStyle/>
           <a:p>
-            <a:r>
-              <a:rPr lang="de-DE" sz="1400" dirty="0"/>
-              <a:t>type = </a:t>
-            </a:r>
-            <a:r>
-              <a:rPr lang="de-DE" sz="1400" dirty="0" err="1"/>
-              <a:t>Auction</a:t>
+            <a:pPr algn="ctr" eaLnBrk="0" hangingPunct="0"/>
+            <a:r>
+              <a:rPr lang="en-US" altLang="de-DE" sz="1400" u="sng" dirty="0" smtClean="0"/>
+              <a:t>:</a:t>
+            </a:r>
+            <a:r>
+              <a:rPr lang="en-US" altLang="de-DE" sz="1400" u="sng" dirty="0" err="1" smtClean="0"/>
+              <a:t>VariableSymbol</a:t>
             </a:r>
             <a:endParaRPr lang="en-US" altLang="de-DE" sz="1400" u="sng" dirty="0"/>
           </a:p>
         </p:txBody>
       </p:sp>
-      <p:grpSp>
-        <p:nvGrpSpPr>
-          <p:cNvPr id="23" name="Group 1081">
+      <p:sp>
+        <p:nvSpPr>
+          <p:cNvPr id="76" name="Rectangle 1084">
             <a:extLst>
               <a:ext uri="{FF2B5EF4-FFF2-40B4-BE49-F238E27FC236}">
-                <a16:creationId xmlns:a16="http://schemas.microsoft.com/office/drawing/2014/main" id="{E4555E0A-6C73-4189-B88F-0480D10544A6}"/>
+                <a16:creationId xmlns:a16="http://schemas.microsoft.com/office/drawing/2014/main" id="{09C32812-763E-4B73-8F4A-2B04469D3354}"/>
               </a:ext>
             </a:extLst>
           </p:cNvPr>
-          <p:cNvGrpSpPr>
-            <a:grpSpLocks/>
-          </p:cNvGrpSpPr>
+          <p:cNvSpPr>
+            <a:spLocks noChangeArrowheads="1"/>
+          </p:cNvSpPr>
           <p:nvPr/>
-        </p:nvGrpSpPr>
-        <p:grpSpPr bwMode="auto">
-          <a:xfrm>
-            <a:off x="4662953" y="4784688"/>
-            <a:ext cx="1962000" cy="1082904"/>
-            <a:chOff x="3792" y="3216"/>
-            <a:chExt cx="1053" cy="771"/>
-          </a:xfrm>
-        </p:grpSpPr>
-        <p:sp>
-          <p:nvSpPr>
-            <p:cNvPr id="24" name="Rectangle 1082">
-              <a:extLst>
-                <a:ext uri="{FF2B5EF4-FFF2-40B4-BE49-F238E27FC236}">
-                  <a16:creationId xmlns:a16="http://schemas.microsoft.com/office/drawing/2014/main" id="{2A0D4FBD-F92C-4A80-9E12-3BB5364FEF39}"/>
-                </a:ext>
-              </a:extLst>
-            </p:cNvPr>
-            <p:cNvSpPr>
-              <a:spLocks noChangeArrowheads="1"/>
-            </p:cNvSpPr>
-            <p:nvPr/>
-          </p:nvSpPr>
-          <p:spPr bwMode="auto">
-            <a:xfrm>
-              <a:off x="3792" y="3216"/>
-              <a:ext cx="1008" cy="771"/>
-            </a:xfrm>
-            <a:prstGeom prst="rect">
-              <a:avLst/>
-            </a:prstGeom>
-            <a:noFill/>
-            <a:ln w="9525">
-              <a:solidFill>
-                <a:schemeClr val="tx1"/>
-              </a:solidFill>
-              <a:miter lim="800000"/>
-              <a:headEnd/>
-              <a:tailEnd/>
-            </a:ln>
-          </p:spPr>
-          <p:txBody>
-            <a:bodyPr wrap="none" anchor="ctr"/>
-            <a:lstStyle/>
-            <a:p>
-              <a:endParaRPr lang="en-US"/>
-            </a:p>
-          </p:txBody>
-        </p:sp>
-        <p:sp>
-          <p:nvSpPr>
-            <p:cNvPr id="25" name="Text Box 1083">
-              <a:extLst>
-                <a:ext uri="{FF2B5EF4-FFF2-40B4-BE49-F238E27FC236}">
-                  <a16:creationId xmlns:a16="http://schemas.microsoft.com/office/drawing/2014/main" id="{D3AD6DF6-CC47-4D1B-827C-5D0F0E1EE084}"/>
-                </a:ext>
-              </a:extLst>
-            </p:cNvPr>
-            <p:cNvSpPr txBox="1">
-              <a:spLocks noChangeArrowheads="1"/>
-            </p:cNvSpPr>
-            <p:nvPr/>
-          </p:nvSpPr>
-          <p:spPr bwMode="auto">
-            <a:xfrm>
-              <a:off x="3987" y="3254"/>
-              <a:ext cx="610" cy="194"/>
-            </a:xfrm>
-            <a:prstGeom prst="rect">
-              <a:avLst/>
-            </a:prstGeom>
-            <a:noFill/>
-            <a:ln w="9525">
-              <a:noFill/>
-              <a:miter lim="800000"/>
-              <a:headEnd/>
-              <a:tailEnd/>
-            </a:ln>
-          </p:spPr>
-          <p:txBody>
-            <a:bodyPr wrap="none">
-              <a:spAutoFit/>
-            </a:bodyPr>
-            <a:lstStyle/>
-            <a:p>
-              <a:pPr algn="ctr" eaLnBrk="0" hangingPunct="0"/>
-              <a:r>
-                <a:rPr lang="en-US" altLang="de-DE" sz="1400" u="sng" dirty="0"/>
-                <a:t>:</a:t>
-              </a:r>
-              <a:r>
-                <a:rPr lang="en-US" altLang="de-DE" sz="1400" u="sng" dirty="0" err="1"/>
-                <a:t>VariableSymbol</a:t>
-              </a:r>
-              <a:endParaRPr lang="en-US" altLang="de-DE" sz="1400" u="sng" dirty="0"/>
-            </a:p>
-          </p:txBody>
-        </p:sp>
-        <p:sp>
-          <p:nvSpPr>
-            <p:cNvPr id="26" name="Rectangle 1084">
-              <a:extLst>
-                <a:ext uri="{FF2B5EF4-FFF2-40B4-BE49-F238E27FC236}">
-                  <a16:creationId xmlns:a16="http://schemas.microsoft.com/office/drawing/2014/main" id="{96D23349-6375-4669-8E9E-4CBADEE89548}"/>
-                </a:ext>
-              </a:extLst>
-            </p:cNvPr>
-            <p:cNvSpPr>
-              <a:spLocks noChangeArrowheads="1"/>
-            </p:cNvSpPr>
-            <p:nvPr/>
-          </p:nvSpPr>
-          <p:spPr bwMode="auto">
-            <a:xfrm>
-              <a:off x="3792" y="3504"/>
-              <a:ext cx="1008" cy="483"/>
-            </a:xfrm>
-            <a:prstGeom prst="rect">
-              <a:avLst/>
-            </a:prstGeom>
-            <a:noFill/>
-            <a:ln w="9525">
-              <a:solidFill>
-                <a:schemeClr val="tx1"/>
-              </a:solidFill>
-              <a:miter lim="800000"/>
-              <a:headEnd/>
-              <a:tailEnd/>
-            </a:ln>
-          </p:spPr>
-          <p:txBody>
-            <a:bodyPr wrap="none" anchor="ctr"/>
-            <a:lstStyle/>
-            <a:p>
-              <a:endParaRPr lang="en-US"/>
-            </a:p>
-          </p:txBody>
-        </p:sp>
-        <p:sp>
-          <p:nvSpPr>
-            <p:cNvPr id="27" name="Text Box 1085">
-              <a:extLst>
-                <a:ext uri="{FF2B5EF4-FFF2-40B4-BE49-F238E27FC236}">
-                  <a16:creationId xmlns:a16="http://schemas.microsoft.com/office/drawing/2014/main" id="{4F12CD1F-69EE-4B4D-885E-D41B3E927131}"/>
-                </a:ext>
-              </a:extLst>
-            </p:cNvPr>
-            <p:cNvSpPr txBox="1">
-              <a:spLocks noChangeArrowheads="1"/>
-            </p:cNvSpPr>
-            <p:nvPr/>
-          </p:nvSpPr>
-          <p:spPr bwMode="auto">
-            <a:xfrm>
-              <a:off x="3792" y="3515"/>
-              <a:ext cx="1053" cy="219"/>
-            </a:xfrm>
-            <a:prstGeom prst="rect">
-              <a:avLst/>
-            </a:prstGeom>
-            <a:noFill/>
-            <a:ln w="9525">
-              <a:noFill/>
-              <a:miter lim="800000"/>
-              <a:headEnd/>
-              <a:tailEnd/>
-            </a:ln>
-          </p:spPr>
-          <p:txBody>
-            <a:bodyPr wrap="square">
-              <a:spAutoFit/>
-            </a:bodyPr>
-            <a:lstStyle/>
-            <a:p>
-              <a:r>
-                <a:rPr lang="de-DE" sz="1400" dirty="0" err="1"/>
-                <a:t>name</a:t>
-              </a:r>
-              <a:r>
-                <a:rPr lang="de-DE" sz="1400" dirty="0"/>
-                <a:t> = "</a:t>
-              </a:r>
-              <a:r>
-                <a:rPr lang="de-DE" sz="1400" dirty="0" err="1"/>
-                <a:t>bm</a:t>
-              </a:r>
-              <a:r>
-                <a:rPr lang="de-DE" sz="1400" dirty="0"/>
-                <a:t>"</a:t>
-              </a:r>
-              <a:endParaRPr lang="en-US" altLang="de-DE" sz="1400" u="sng" dirty="0"/>
-            </a:p>
-          </p:txBody>
-        </p:sp>
-      </p:grpSp>
-      <p:sp>
-        <p:nvSpPr>
-          <p:cNvPr id="28" name="Text Box 1085">
+        </p:nvSpPr>
+        <p:spPr bwMode="auto">
+          <a:xfrm>
+            <a:off x="7722383" y="4446830"/>
+            <a:ext cx="2683457" cy="566761"/>
+          </a:xfrm>
+          <a:prstGeom prst="rect">
+            <a:avLst/>
+          </a:prstGeom>
+          <a:noFill/>
+          <a:ln w="9525">
+            <a:solidFill>
+              <a:schemeClr val="tx1"/>
+            </a:solidFill>
+            <a:miter lim="800000"/>
+            <a:headEnd/>
+            <a:tailEnd/>
+          </a:ln>
+        </p:spPr>
+        <p:txBody>
+          <a:bodyPr wrap="none" anchor="ctr"/>
+          <a:lstStyle/>
+          <a:p>
+            <a:endParaRPr lang="en-US"/>
+          </a:p>
+        </p:txBody>
+      </p:sp>
+      <p:sp>
+        <p:nvSpPr>
+          <p:cNvPr id="77" name="Text Box 1085">
             <a:extLst>
               <a:ext uri="{FF2B5EF4-FFF2-40B4-BE49-F238E27FC236}">
-                <a16:creationId xmlns:a16="http://schemas.microsoft.com/office/drawing/2014/main" id="{4ADA7B73-91AF-41F3-B2C1-037BAE4BA8E1}"/>
+                <a16:creationId xmlns:a16="http://schemas.microsoft.com/office/drawing/2014/main" id="{41A16585-08A4-44ED-80D7-E6ACC0A0AC4A}"/>
               </a:ext>
             </a:extLst>
           </p:cNvPr>
@@ -7344,8 +7378,8 @@
         </p:nvSpPr>
         <p:spPr bwMode="auto">
           <a:xfrm>
-            <a:off x="4676086" y="5487309"/>
-            <a:ext cx="1962000" cy="307595"/>
+            <a:off x="7722383" y="4446830"/>
+            <a:ext cx="2071504" cy="523220"/>
           </a:xfrm>
           <a:prstGeom prst="rect">
             <a:avLst/>
@@ -7365,951 +7399,216 @@
           <a:lstStyle/>
           <a:p>
             <a:r>
+              <a:rPr lang="de-DE" sz="1400" dirty="0" err="1"/>
+              <a:t>name</a:t>
+            </a:r>
+            <a:r>
               <a:rPr lang="de-DE" sz="1400" dirty="0"/>
-              <a:t>type = </a:t>
-            </a:r>
-            <a:r>
-              <a:rPr lang="de-DE" sz="1400" dirty="0" err="1"/>
+              <a:t> = </a:t>
+            </a:r>
+            <a:r>
+              <a:rPr lang="de-DE" sz="1400" dirty="0" smtClean="0"/>
+              <a:t>"</a:t>
+            </a:r>
+            <a:r>
+              <a:rPr lang="de-DE" sz="1400" dirty="0" err="1" smtClean="0"/>
+              <a:t>bm</a:t>
+            </a:r>
+            <a:r>
+              <a:rPr lang="de-DE" sz="1400" dirty="0" smtClean="0"/>
+              <a:t>"</a:t>
+            </a:r>
+            <a:endParaRPr lang="de-DE" sz="1400" dirty="0" smtClean="0"/>
+          </a:p>
+          <a:p>
+            <a:r>
+              <a:rPr lang="de-DE" sz="1400" dirty="0" smtClean="0"/>
+              <a:t>type </a:t>
+            </a:r>
+            <a:r>
+              <a:rPr lang="de-DE" sz="1400" dirty="0"/>
+              <a:t>= </a:t>
+            </a:r>
+            <a:r>
+              <a:rPr lang="de-DE" sz="1400" dirty="0" err="1" smtClean="0"/>
               <a:t>BidMessage</a:t>
             </a:r>
-            <a:endParaRPr lang="en-US" altLang="de-DE" sz="1400" u="sng" dirty="0"/>
-          </a:p>
-        </p:txBody>
-      </p:sp>
-      <p:grpSp>
-        <p:nvGrpSpPr>
-          <p:cNvPr id="29" name="Group 1081">
-            <a:extLst>
-              <a:ext uri="{FF2B5EF4-FFF2-40B4-BE49-F238E27FC236}">
-                <a16:creationId xmlns:a16="http://schemas.microsoft.com/office/drawing/2014/main" id="{D9E85F1D-927C-49A2-A841-F28AD451356F}"/>
-              </a:ext>
-            </a:extLst>
-          </p:cNvPr>
-          <p:cNvGrpSpPr>
-            <a:grpSpLocks/>
-          </p:cNvGrpSpPr>
-          <p:nvPr/>
-        </p:nvGrpSpPr>
-        <p:grpSpPr bwMode="auto">
-          <a:xfrm>
-            <a:off x="5808965" y="6016222"/>
-            <a:ext cx="1962000" cy="1082904"/>
-            <a:chOff x="3792" y="3216"/>
-            <a:chExt cx="1053" cy="771"/>
-          </a:xfrm>
-        </p:grpSpPr>
-        <p:sp>
-          <p:nvSpPr>
-            <p:cNvPr id="30" name="Rectangle 1082">
-              <a:extLst>
-                <a:ext uri="{FF2B5EF4-FFF2-40B4-BE49-F238E27FC236}">
-                  <a16:creationId xmlns:a16="http://schemas.microsoft.com/office/drawing/2014/main" id="{8E48C1BD-BBDF-4130-BEFC-E09C2BFE1154}"/>
-                </a:ext>
-              </a:extLst>
-            </p:cNvPr>
-            <p:cNvSpPr>
-              <a:spLocks noChangeArrowheads="1"/>
-            </p:cNvSpPr>
-            <p:nvPr/>
-          </p:nvSpPr>
-          <p:spPr bwMode="auto">
-            <a:xfrm>
-              <a:off x="3792" y="3216"/>
-              <a:ext cx="1008" cy="771"/>
-            </a:xfrm>
-            <a:prstGeom prst="rect">
-              <a:avLst/>
-            </a:prstGeom>
-            <a:noFill/>
-            <a:ln w="9525">
-              <a:solidFill>
-                <a:schemeClr val="tx1"/>
-              </a:solidFill>
-              <a:miter lim="800000"/>
-              <a:headEnd/>
-              <a:tailEnd/>
-            </a:ln>
-          </p:spPr>
-          <p:txBody>
-            <a:bodyPr wrap="none" anchor="ctr"/>
-            <a:lstStyle/>
-            <a:p>
-              <a:endParaRPr lang="en-US"/>
-            </a:p>
-          </p:txBody>
-        </p:sp>
-        <p:sp>
-          <p:nvSpPr>
-            <p:cNvPr id="31" name="Text Box 1083">
-              <a:extLst>
-                <a:ext uri="{FF2B5EF4-FFF2-40B4-BE49-F238E27FC236}">
-                  <a16:creationId xmlns:a16="http://schemas.microsoft.com/office/drawing/2014/main" id="{4DDFA239-ACFC-44D9-97B8-02E4145CEA24}"/>
-                </a:ext>
-              </a:extLst>
-            </p:cNvPr>
-            <p:cNvSpPr txBox="1">
-              <a:spLocks noChangeArrowheads="1"/>
-            </p:cNvSpPr>
-            <p:nvPr/>
-          </p:nvSpPr>
-          <p:spPr bwMode="auto">
-            <a:xfrm>
-              <a:off x="3987" y="3254"/>
-              <a:ext cx="610" cy="194"/>
-            </a:xfrm>
-            <a:prstGeom prst="rect">
-              <a:avLst/>
-            </a:prstGeom>
-            <a:noFill/>
-            <a:ln w="9525">
-              <a:noFill/>
-              <a:miter lim="800000"/>
-              <a:headEnd/>
-              <a:tailEnd/>
-            </a:ln>
-          </p:spPr>
-          <p:txBody>
-            <a:bodyPr wrap="none">
-              <a:spAutoFit/>
-            </a:bodyPr>
-            <a:lstStyle/>
-            <a:p>
-              <a:pPr algn="ctr" eaLnBrk="0" hangingPunct="0"/>
-              <a:r>
-                <a:rPr lang="en-US" altLang="de-DE" sz="1400" u="sng" dirty="0"/>
-                <a:t>:</a:t>
-              </a:r>
-              <a:r>
-                <a:rPr lang="en-US" altLang="de-DE" sz="1400" u="sng" dirty="0" err="1"/>
-                <a:t>VariableSymbol</a:t>
-              </a:r>
-              <a:endParaRPr lang="en-US" altLang="de-DE" sz="1400" u="sng" dirty="0"/>
-            </a:p>
-          </p:txBody>
-        </p:sp>
-        <p:sp>
-          <p:nvSpPr>
-            <p:cNvPr id="32" name="Rectangle 1084">
-              <a:extLst>
-                <a:ext uri="{FF2B5EF4-FFF2-40B4-BE49-F238E27FC236}">
-                  <a16:creationId xmlns:a16="http://schemas.microsoft.com/office/drawing/2014/main" id="{8B006986-8F0F-46D9-98BF-7E406003E695}"/>
-                </a:ext>
-              </a:extLst>
-            </p:cNvPr>
-            <p:cNvSpPr>
-              <a:spLocks noChangeArrowheads="1"/>
-            </p:cNvSpPr>
-            <p:nvPr/>
-          </p:nvSpPr>
-          <p:spPr bwMode="auto">
-            <a:xfrm>
-              <a:off x="3792" y="3504"/>
-              <a:ext cx="1008" cy="483"/>
-            </a:xfrm>
-            <a:prstGeom prst="rect">
-              <a:avLst/>
-            </a:prstGeom>
-            <a:noFill/>
-            <a:ln w="9525">
-              <a:solidFill>
-                <a:schemeClr val="tx1"/>
-              </a:solidFill>
-              <a:miter lim="800000"/>
-              <a:headEnd/>
-              <a:tailEnd/>
-            </a:ln>
-          </p:spPr>
-          <p:txBody>
-            <a:bodyPr wrap="none" anchor="ctr"/>
-            <a:lstStyle/>
-            <a:p>
-              <a:endParaRPr lang="en-US"/>
-            </a:p>
-          </p:txBody>
-        </p:sp>
-        <p:sp>
-          <p:nvSpPr>
-            <p:cNvPr id="33" name="Text Box 1085">
-              <a:extLst>
-                <a:ext uri="{FF2B5EF4-FFF2-40B4-BE49-F238E27FC236}">
-                  <a16:creationId xmlns:a16="http://schemas.microsoft.com/office/drawing/2014/main" id="{7D6F92DB-74E8-44F2-8C25-50D17DC97979}"/>
-                </a:ext>
-              </a:extLst>
-            </p:cNvPr>
-            <p:cNvSpPr txBox="1">
-              <a:spLocks noChangeArrowheads="1"/>
-            </p:cNvSpPr>
-            <p:nvPr/>
-          </p:nvSpPr>
-          <p:spPr bwMode="auto">
-            <a:xfrm>
-              <a:off x="3792" y="3515"/>
-              <a:ext cx="1053" cy="219"/>
-            </a:xfrm>
-            <a:prstGeom prst="rect">
-              <a:avLst/>
-            </a:prstGeom>
-            <a:noFill/>
-            <a:ln w="9525">
-              <a:noFill/>
-              <a:miter lim="800000"/>
-              <a:headEnd/>
-              <a:tailEnd/>
-            </a:ln>
-          </p:spPr>
-          <p:txBody>
-            <a:bodyPr wrap="square">
-              <a:spAutoFit/>
-            </a:bodyPr>
-            <a:lstStyle/>
-            <a:p>
-              <a:r>
-                <a:rPr lang="de-DE" sz="1400" dirty="0" err="1"/>
-                <a:t>name</a:t>
-              </a:r>
-              <a:r>
-                <a:rPr lang="de-DE" sz="1400" dirty="0"/>
-                <a:t> = "m"</a:t>
-              </a:r>
-              <a:endParaRPr lang="en-US" altLang="de-DE" sz="1400" u="sng" dirty="0"/>
-            </a:p>
-          </p:txBody>
-        </p:sp>
-      </p:grpSp>
-      <p:sp>
-        <p:nvSpPr>
-          <p:cNvPr id="34" name="Text Box 1085">
-            <a:extLst>
-              <a:ext uri="{FF2B5EF4-FFF2-40B4-BE49-F238E27FC236}">
-                <a16:creationId xmlns:a16="http://schemas.microsoft.com/office/drawing/2014/main" id="{C94F156B-DFE9-43B8-9171-AB5CC7EAC51A}"/>
-              </a:ext>
-            </a:extLst>
-          </p:cNvPr>
-          <p:cNvSpPr txBox="1">
-            <a:spLocks noChangeArrowheads="1"/>
-          </p:cNvSpPr>
-          <p:nvPr/>
-        </p:nvSpPr>
-        <p:spPr bwMode="auto">
-          <a:xfrm>
-            <a:off x="5822098" y="6718843"/>
-            <a:ext cx="1962000" cy="307595"/>
-          </a:xfrm>
-          <a:prstGeom prst="rect">
-            <a:avLst/>
-          </a:prstGeom>
-          <a:noFill/>
-          <a:ln w="9525">
-            <a:noFill/>
-            <a:miter lim="800000"/>
-            <a:headEnd/>
-            <a:tailEnd/>
-          </a:ln>
-        </p:spPr>
-        <p:txBody>
-          <a:bodyPr wrap="square">
-            <a:spAutoFit/>
-          </a:bodyPr>
-          <a:lstStyle/>
-          <a:p>
-            <a:r>
-              <a:rPr lang="de-DE" sz="1400" dirty="0"/>
-              <a:t>type = </a:t>
-            </a:r>
-            <a:r>
-              <a:rPr lang="de-DE" sz="1400" dirty="0" err="1"/>
-              <a:t>int</a:t>
-            </a:r>
-            <a:endParaRPr lang="en-US" altLang="de-DE" sz="1400" u="sng" dirty="0"/>
-          </a:p>
-        </p:txBody>
-      </p:sp>
-      <p:grpSp>
-        <p:nvGrpSpPr>
-          <p:cNvPr id="35" name="Group 1081">
-            <a:extLst>
-              <a:ext uri="{FF2B5EF4-FFF2-40B4-BE49-F238E27FC236}">
-                <a16:creationId xmlns:a16="http://schemas.microsoft.com/office/drawing/2014/main" id="{3E24BA92-6BA4-4BA4-97E0-43EBF002118D}"/>
-              </a:ext>
-            </a:extLst>
-          </p:cNvPr>
-          <p:cNvGrpSpPr>
-            <a:grpSpLocks/>
-          </p:cNvGrpSpPr>
-          <p:nvPr/>
-        </p:nvGrpSpPr>
-        <p:grpSpPr bwMode="auto">
-          <a:xfrm>
-            <a:off x="2871802" y="6031957"/>
-            <a:ext cx="1962000" cy="1082904"/>
-            <a:chOff x="3792" y="3216"/>
-            <a:chExt cx="1053" cy="771"/>
-          </a:xfrm>
-        </p:grpSpPr>
-        <p:sp>
-          <p:nvSpPr>
-            <p:cNvPr id="36" name="Rectangle 1082">
-              <a:extLst>
-                <a:ext uri="{FF2B5EF4-FFF2-40B4-BE49-F238E27FC236}">
-                  <a16:creationId xmlns:a16="http://schemas.microsoft.com/office/drawing/2014/main" id="{824138AD-6013-4D45-9722-14633FB2A209}"/>
-                </a:ext>
-              </a:extLst>
-            </p:cNvPr>
-            <p:cNvSpPr>
-              <a:spLocks noChangeArrowheads="1"/>
-            </p:cNvSpPr>
-            <p:nvPr/>
-          </p:nvSpPr>
-          <p:spPr bwMode="auto">
-            <a:xfrm>
-              <a:off x="3792" y="3216"/>
-              <a:ext cx="1008" cy="771"/>
-            </a:xfrm>
-            <a:prstGeom prst="rect">
-              <a:avLst/>
-            </a:prstGeom>
-            <a:noFill/>
-            <a:ln w="9525">
-              <a:solidFill>
-                <a:schemeClr val="tx1"/>
-              </a:solidFill>
-              <a:miter lim="800000"/>
-              <a:headEnd/>
-              <a:tailEnd/>
-            </a:ln>
-          </p:spPr>
-          <p:txBody>
-            <a:bodyPr wrap="none" anchor="ctr"/>
-            <a:lstStyle/>
-            <a:p>
-              <a:endParaRPr lang="en-US"/>
-            </a:p>
-          </p:txBody>
-        </p:sp>
-        <p:sp>
-          <p:nvSpPr>
-            <p:cNvPr id="37" name="Text Box 1083">
-              <a:extLst>
-                <a:ext uri="{FF2B5EF4-FFF2-40B4-BE49-F238E27FC236}">
-                  <a16:creationId xmlns:a16="http://schemas.microsoft.com/office/drawing/2014/main" id="{FF374379-A126-493E-AD8E-E2C4C119B390}"/>
-                </a:ext>
-              </a:extLst>
-            </p:cNvPr>
-            <p:cNvSpPr txBox="1">
-              <a:spLocks noChangeArrowheads="1"/>
-            </p:cNvSpPr>
-            <p:nvPr/>
-          </p:nvSpPr>
-          <p:spPr bwMode="auto">
-            <a:xfrm>
-              <a:off x="3987" y="3254"/>
-              <a:ext cx="610" cy="194"/>
-            </a:xfrm>
-            <a:prstGeom prst="rect">
-              <a:avLst/>
-            </a:prstGeom>
-            <a:noFill/>
-            <a:ln w="9525">
-              <a:noFill/>
-              <a:miter lim="800000"/>
-              <a:headEnd/>
-              <a:tailEnd/>
-            </a:ln>
-          </p:spPr>
-          <p:txBody>
-            <a:bodyPr wrap="none">
-              <a:spAutoFit/>
-            </a:bodyPr>
-            <a:lstStyle/>
-            <a:p>
-              <a:pPr algn="ctr" eaLnBrk="0" hangingPunct="0"/>
-              <a:r>
-                <a:rPr lang="en-US" altLang="de-DE" sz="1400" u="sng" dirty="0"/>
-                <a:t>:</a:t>
-              </a:r>
-              <a:r>
-                <a:rPr lang="en-US" altLang="de-DE" sz="1400" u="sng" dirty="0" err="1"/>
-                <a:t>VariableSymbol</a:t>
-              </a:r>
-              <a:endParaRPr lang="en-US" altLang="de-DE" sz="1400" u="sng" dirty="0"/>
-            </a:p>
-          </p:txBody>
-        </p:sp>
-        <p:sp>
-          <p:nvSpPr>
-            <p:cNvPr id="38" name="Rectangle 1084">
-              <a:extLst>
-                <a:ext uri="{FF2B5EF4-FFF2-40B4-BE49-F238E27FC236}">
-                  <a16:creationId xmlns:a16="http://schemas.microsoft.com/office/drawing/2014/main" id="{D71DECEB-B220-435E-B0C4-EBE98BE72A9D}"/>
-                </a:ext>
-              </a:extLst>
-            </p:cNvPr>
-            <p:cNvSpPr>
-              <a:spLocks noChangeArrowheads="1"/>
-            </p:cNvSpPr>
-            <p:nvPr/>
-          </p:nvSpPr>
-          <p:spPr bwMode="auto">
-            <a:xfrm>
-              <a:off x="3792" y="3504"/>
-              <a:ext cx="1008" cy="483"/>
-            </a:xfrm>
-            <a:prstGeom prst="rect">
-              <a:avLst/>
-            </a:prstGeom>
-            <a:noFill/>
-            <a:ln w="9525">
-              <a:solidFill>
-                <a:schemeClr val="tx1"/>
-              </a:solidFill>
-              <a:miter lim="800000"/>
-              <a:headEnd/>
-              <a:tailEnd/>
-            </a:ln>
-          </p:spPr>
-          <p:txBody>
-            <a:bodyPr wrap="none" anchor="ctr"/>
-            <a:lstStyle/>
-            <a:p>
-              <a:endParaRPr lang="en-US"/>
-            </a:p>
-          </p:txBody>
-        </p:sp>
-        <p:sp>
-          <p:nvSpPr>
-            <p:cNvPr id="39" name="Text Box 1085">
-              <a:extLst>
-                <a:ext uri="{FF2B5EF4-FFF2-40B4-BE49-F238E27FC236}">
-                  <a16:creationId xmlns:a16="http://schemas.microsoft.com/office/drawing/2014/main" id="{9F25434C-8D75-4EE9-B694-2C77D47CFEA1}"/>
-                </a:ext>
-              </a:extLst>
-            </p:cNvPr>
-            <p:cNvSpPr txBox="1">
-              <a:spLocks noChangeArrowheads="1"/>
-            </p:cNvSpPr>
-            <p:nvPr/>
-          </p:nvSpPr>
-          <p:spPr bwMode="auto">
-            <a:xfrm>
-              <a:off x="3792" y="3515"/>
-              <a:ext cx="1053" cy="219"/>
-            </a:xfrm>
-            <a:prstGeom prst="rect">
-              <a:avLst/>
-            </a:prstGeom>
-            <a:noFill/>
-            <a:ln w="9525">
-              <a:noFill/>
-              <a:miter lim="800000"/>
-              <a:headEnd/>
-              <a:tailEnd/>
-            </a:ln>
-          </p:spPr>
-          <p:txBody>
-            <a:bodyPr wrap="square">
-              <a:spAutoFit/>
-            </a:bodyPr>
-            <a:lstStyle/>
-            <a:p>
-              <a:r>
-                <a:rPr lang="de-DE" sz="1400" dirty="0" err="1"/>
-                <a:t>name</a:t>
-              </a:r>
-              <a:r>
-                <a:rPr lang="de-DE" sz="1400" dirty="0"/>
-                <a:t> = "</a:t>
-              </a:r>
-              <a:r>
-                <a:rPr lang="de-DE" sz="1400" dirty="0" err="1"/>
-                <a:t>theo</a:t>
-              </a:r>
-              <a:r>
-                <a:rPr lang="de-DE" sz="1400" dirty="0"/>
-                <a:t>"</a:t>
-              </a:r>
-              <a:endParaRPr lang="en-US" altLang="de-DE" sz="1400" u="sng" dirty="0"/>
-            </a:p>
-          </p:txBody>
-        </p:sp>
-      </p:grpSp>
-      <p:sp>
-        <p:nvSpPr>
-          <p:cNvPr id="40" name="Text Box 1085">
-            <a:extLst>
-              <a:ext uri="{FF2B5EF4-FFF2-40B4-BE49-F238E27FC236}">
-                <a16:creationId xmlns:a16="http://schemas.microsoft.com/office/drawing/2014/main" id="{FF5EB2F9-4EDF-4480-98C2-E66C57BFE0CC}"/>
-              </a:ext>
-            </a:extLst>
-          </p:cNvPr>
-          <p:cNvSpPr txBox="1">
-            <a:spLocks noChangeArrowheads="1"/>
-          </p:cNvSpPr>
-          <p:nvPr/>
-        </p:nvSpPr>
-        <p:spPr bwMode="auto">
-          <a:xfrm>
-            <a:off x="2888504" y="6753762"/>
-            <a:ext cx="1962000" cy="307595"/>
-          </a:xfrm>
-          <a:prstGeom prst="rect">
-            <a:avLst/>
-          </a:prstGeom>
-          <a:noFill/>
-          <a:ln w="9525">
-            <a:noFill/>
-            <a:miter lim="800000"/>
-            <a:headEnd/>
-            <a:tailEnd/>
-          </a:ln>
-        </p:spPr>
-        <p:txBody>
-          <a:bodyPr wrap="square">
-            <a:spAutoFit/>
-          </a:bodyPr>
-          <a:lstStyle/>
-          <a:p>
-            <a:r>
-              <a:rPr lang="de-DE" sz="1400" dirty="0"/>
-              <a:t>type = Person</a:t>
-            </a:r>
-            <a:endParaRPr lang="en-US" altLang="de-DE" sz="1400" u="sng" dirty="0"/>
+            <a:endParaRPr lang="de-DE" sz="1400" dirty="0"/>
           </a:p>
         </p:txBody>
       </p:sp>
       <p:cxnSp>
         <p:nvCxnSpPr>
-          <p:cNvPr id="41" name="Verbinder: gewinkelt 187">
-            <a:extLst>
-              <a:ext uri="{FF2B5EF4-FFF2-40B4-BE49-F238E27FC236}">
-                <a16:creationId xmlns:a16="http://schemas.microsoft.com/office/drawing/2014/main" id="{5F47E75C-80F2-4936-B907-F444DBBD24E6}"/>
-              </a:ext>
-            </a:extLst>
-          </p:cNvPr>
+          <p:cNvPr id="78" name="Gewinkelter Verbinder 77"/>
           <p:cNvCxnSpPr>
-            <a:cxnSpLocks/>
+            <a:endCxn id="60" idx="3"/>
           </p:cNvCxnSpPr>
           <p:nvPr/>
         </p:nvCxnSpPr>
         <p:spPr>
           <a:xfrm rot="5400000">
-            <a:off x="3450053" y="4781367"/>
-            <a:ext cx="970403" cy="231485"/>
+            <a:off x="5694408" y="3421699"/>
+            <a:ext cx="846025" cy="139427"/>
           </a:xfrm>
           <a:prstGeom prst="bentConnector2">
             <a:avLst/>
           </a:prstGeom>
           <a:ln>
+            <a:solidFill>
+              <a:schemeClr val="tx1"/>
+            </a:solidFill>
             <a:tailEnd type="triangle"/>
           </a:ln>
         </p:spPr>
         <p:style>
           <a:lnRef idx="1">
-            <a:schemeClr val="dk1"/>
+            <a:schemeClr val="accent1"/>
           </a:lnRef>
           <a:fillRef idx="0">
-            <a:schemeClr val="dk1"/>
+            <a:schemeClr val="accent1"/>
           </a:fillRef>
           <a:effectRef idx="0">
-            <a:schemeClr val="dk1"/>
+            <a:schemeClr val="accent1"/>
           </a:effectRef>
           <a:fontRef idx="minor">
             <a:schemeClr val="tx1"/>
           </a:fontRef>
         </p:style>
       </p:cxnSp>
-      <p:sp>
-        <p:nvSpPr>
-          <p:cNvPr id="42" name="Line 1086">
-            <a:extLst>
-              <a:ext uri="{FF2B5EF4-FFF2-40B4-BE49-F238E27FC236}">
-                <a16:creationId xmlns:a16="http://schemas.microsoft.com/office/drawing/2014/main" id="{669D2F4B-122C-4D7E-A0C7-41C38596ED74}"/>
-              </a:ext>
-            </a:extLst>
-          </p:cNvPr>
-          <p:cNvSpPr>
-            <a:spLocks noChangeShapeType="1"/>
-          </p:cNvSpPr>
+      <p:cxnSp>
+        <p:nvCxnSpPr>
+          <p:cNvPr id="81" name="Gewinkelter Verbinder 80"/>
+          <p:cNvCxnSpPr>
+            <a:endCxn id="64" idx="3"/>
+          </p:cNvCxnSpPr>
           <p:nvPr/>
-        </p:nvSpPr>
-        <p:spPr bwMode="auto">
-          <a:xfrm>
-            <a:off x="7136688" y="4397362"/>
-            <a:ext cx="0" cy="1629154"/>
-          </a:xfrm>
-          <a:prstGeom prst="line">
+        </p:nvCxnSpPr>
+        <p:spPr>
+          <a:xfrm rot="5400000">
+            <a:off x="5237738" y="3878369"/>
+            <a:ext cx="1863098" cy="243161"/>
+          </a:xfrm>
+          <a:prstGeom prst="bentConnector2">
             <a:avLst/>
           </a:prstGeom>
-          <a:noFill/>
-          <a:ln w="9525">
+          <a:ln>
             <a:solidFill>
               <a:schemeClr val="tx1"/>
             </a:solidFill>
-            <a:round/>
-            <a:headEnd/>
-            <a:tailEnd type="triangle" w="med" len="med"/>
+            <a:tailEnd type="triangle"/>
           </a:ln>
         </p:spPr>
-        <p:txBody>
-          <a:bodyPr anchor="ctr"/>
-          <a:lstStyle/>
-          <a:p>
-            <a:endParaRPr lang="de-DE"/>
-          </a:p>
-        </p:txBody>
-      </p:sp>
-      <p:sp>
-        <p:nvSpPr>
-          <p:cNvPr id="43" name="AutoShape 40">
-            <a:extLst>
-              <a:ext uri="{FF2B5EF4-FFF2-40B4-BE49-F238E27FC236}">
-                <a16:creationId xmlns:a16="http://schemas.microsoft.com/office/drawing/2014/main" id="{B0EE9867-2019-4F7B-95A5-995E7E451A1E}"/>
-              </a:ext>
-            </a:extLst>
-          </p:cNvPr>
-          <p:cNvSpPr>
-            <a:spLocks noChangeArrowheads="1"/>
-          </p:cNvSpPr>
+        <p:style>
+          <a:lnRef idx="1">
+            <a:schemeClr val="accent1"/>
+          </a:lnRef>
+          <a:fillRef idx="0">
+            <a:schemeClr val="accent1"/>
+          </a:fillRef>
+          <a:effectRef idx="0">
+            <a:schemeClr val="accent1"/>
+          </a:effectRef>
+          <a:fontRef idx="minor">
+            <a:schemeClr val="tx1"/>
+          </a:fontRef>
+        </p:style>
+      </p:cxnSp>
+      <p:cxnSp>
+        <p:nvCxnSpPr>
+          <p:cNvPr id="83" name="Gewinkelter Verbinder 82"/>
+          <p:cNvCxnSpPr>
+            <a:endCxn id="69" idx="3"/>
+          </p:cNvCxnSpPr>
           <p:nvPr/>
-        </p:nvSpPr>
-        <p:spPr bwMode="auto">
-          <a:xfrm flipV="1">
-            <a:off x="7366890" y="2323113"/>
-            <a:ext cx="609600" cy="304800"/>
-          </a:xfrm>
-          <a:prstGeom prst="foldedCorner">
-            <a:avLst>
-              <a:gd name="adj" fmla="val 27606"/>
-            </a:avLst>
+        </p:nvCxnSpPr>
+        <p:spPr>
+          <a:xfrm rot="5400000">
+            <a:off x="4734919" y="4388637"/>
+            <a:ext cx="2987557" cy="361981"/>
+          </a:xfrm>
+          <a:prstGeom prst="bentConnector2">
+            <a:avLst/>
           </a:prstGeom>
-          <a:solidFill>
-            <a:schemeClr val="bg1"/>
-          </a:solidFill>
-          <a:ln w="9525">
+          <a:ln>
             <a:solidFill>
               <a:schemeClr val="tx1"/>
             </a:solidFill>
-            <a:round/>
-            <a:headEnd/>
-            <a:tailEnd/>
+            <a:tailEnd type="triangle"/>
           </a:ln>
         </p:spPr>
-        <p:txBody>
-          <a:bodyPr rot="10800000" wrap="none" anchor="ctr" anchorCtr="1"/>
-          <a:lstStyle/>
-          <a:p>
-            <a:pPr eaLnBrk="0" hangingPunct="0">
-              <a:lnSpc>
-                <a:spcPct val="70000"/>
-              </a:lnSpc>
-            </a:pPr>
-            <a:r>
-              <a:rPr lang="en-US" altLang="de-DE" sz="1600" dirty="0"/>
-              <a:t>OD</a:t>
-            </a:r>
-          </a:p>
-        </p:txBody>
-      </p:sp>
-      <p:grpSp>
-        <p:nvGrpSpPr>
-          <p:cNvPr id="46" name="Group 1081">
-            <a:extLst>
-              <a:ext uri="{FF2B5EF4-FFF2-40B4-BE49-F238E27FC236}">
-                <a16:creationId xmlns:a16="http://schemas.microsoft.com/office/drawing/2014/main" id="{8B7FE4D3-7457-4A2F-8863-47352801ACBD}"/>
-              </a:ext>
-            </a:extLst>
-          </p:cNvPr>
-          <p:cNvGrpSpPr>
-            <a:grpSpLocks/>
-          </p:cNvGrpSpPr>
+        <p:style>
+          <a:lnRef idx="1">
+            <a:schemeClr val="accent1"/>
+          </a:lnRef>
+          <a:fillRef idx="0">
+            <a:schemeClr val="accent1"/>
+          </a:fillRef>
+          <a:effectRef idx="0">
+            <a:schemeClr val="accent1"/>
+          </a:effectRef>
+          <a:fontRef idx="minor">
+            <a:schemeClr val="tx1"/>
+          </a:fontRef>
+        </p:style>
+      </p:cxnSp>
+      <p:cxnSp>
+        <p:nvCxnSpPr>
+          <p:cNvPr id="85" name="Gewinkelter Verbinder 84"/>
+          <p:cNvCxnSpPr>
+            <a:endCxn id="72" idx="1"/>
+          </p:cNvCxnSpPr>
           <p:nvPr/>
-        </p:nvGrpSpPr>
-        <p:grpSpPr bwMode="auto">
-          <a:xfrm>
-            <a:off x="5426570" y="3628131"/>
-            <a:ext cx="2147709" cy="745814"/>
-            <a:chOff x="3792" y="3216"/>
-            <a:chExt cx="1008" cy="531"/>
-          </a:xfrm>
-        </p:grpSpPr>
-        <p:sp>
-          <p:nvSpPr>
-            <p:cNvPr id="47" name="Rectangle 1082">
-              <a:extLst>
-                <a:ext uri="{FF2B5EF4-FFF2-40B4-BE49-F238E27FC236}">
-                  <a16:creationId xmlns:a16="http://schemas.microsoft.com/office/drawing/2014/main" id="{F19DFFC7-7E95-4506-9075-B4A51FA1BA7F}"/>
-                </a:ext>
-              </a:extLst>
-            </p:cNvPr>
-            <p:cNvSpPr>
-              <a:spLocks noChangeArrowheads="1"/>
-            </p:cNvSpPr>
-            <p:nvPr/>
-          </p:nvSpPr>
-          <p:spPr bwMode="auto">
-            <a:xfrm>
-              <a:off x="3792" y="3216"/>
-              <a:ext cx="1008" cy="528"/>
-            </a:xfrm>
-            <a:prstGeom prst="rect">
-              <a:avLst/>
-            </a:prstGeom>
-            <a:noFill/>
-            <a:ln w="9525">
-              <a:solidFill>
-                <a:schemeClr val="tx1"/>
-              </a:solidFill>
-              <a:miter lim="800000"/>
-              <a:headEnd/>
-              <a:tailEnd/>
-            </a:ln>
-          </p:spPr>
-          <p:txBody>
-            <a:bodyPr wrap="none" anchor="ctr"/>
-            <a:lstStyle/>
-            <a:p>
-              <a:endParaRPr lang="en-US"/>
-            </a:p>
-          </p:txBody>
-        </p:sp>
-        <p:sp>
-          <p:nvSpPr>
-            <p:cNvPr id="48" name="Text Box 1083">
-              <a:extLst>
-                <a:ext uri="{FF2B5EF4-FFF2-40B4-BE49-F238E27FC236}">
-                  <a16:creationId xmlns:a16="http://schemas.microsoft.com/office/drawing/2014/main" id="{5D69B5F0-7021-48D9-BF91-A0C9A8DD64AC}"/>
-                </a:ext>
-              </a:extLst>
-            </p:cNvPr>
-            <p:cNvSpPr txBox="1">
-              <a:spLocks noChangeArrowheads="1"/>
-            </p:cNvSpPr>
-            <p:nvPr/>
-          </p:nvSpPr>
-          <p:spPr bwMode="auto">
-            <a:xfrm>
-              <a:off x="3800" y="3374"/>
-              <a:ext cx="1000" cy="373"/>
-            </a:xfrm>
-            <a:prstGeom prst="rect">
-              <a:avLst/>
-            </a:prstGeom>
-            <a:noFill/>
-            <a:ln w="9525">
-              <a:noFill/>
-              <a:miter lim="800000"/>
-              <a:headEnd/>
-              <a:tailEnd/>
-            </a:ln>
-          </p:spPr>
-          <p:txBody>
-            <a:bodyPr wrap="square">
-              <a:spAutoFit/>
-            </a:bodyPr>
-            <a:lstStyle/>
-            <a:p>
-              <a:pPr algn="ctr" eaLnBrk="0" hangingPunct="0"/>
-              <a:r>
-                <a:rPr lang="en-US" altLang="de-DE" sz="1400" u="sng" dirty="0"/>
-                <a:t>:</a:t>
-              </a:r>
-              <a:r>
-                <a:rPr lang="en-US" altLang="de-DE" sz="1400" u="sng" dirty="0" smtClean="0"/>
-                <a:t>SD4DevelopmentScope</a:t>
-              </a:r>
-              <a:endParaRPr lang="en-US" altLang="de-DE" sz="1400" u="sng" dirty="0"/>
-            </a:p>
-          </p:txBody>
-        </p:sp>
-      </p:grpSp>
-      <p:sp>
-        <p:nvSpPr>
-          <p:cNvPr id="49" name="Textfeld 48"/>
-          <p:cNvSpPr txBox="1"/>
-          <p:nvPr/>
-        </p:nvSpPr>
+        </p:nvCxnSpPr>
         <p:spPr>
-          <a:xfrm>
-            <a:off x="5750566" y="3320952"/>
-            <a:ext cx="2056973" cy="307777"/>
-          </a:xfrm>
-          <a:prstGeom prst="rect">
+          <a:xfrm rot="16200000" flipH="1">
+            <a:off x="6793896" y="3206569"/>
+            <a:ext cx="458645" cy="182305"/>
+          </a:xfrm>
+          <a:prstGeom prst="bentConnector2">
             <a:avLst/>
           </a:prstGeom>
-          <a:noFill/>
-        </p:spPr>
-        <p:txBody>
-          <a:bodyPr wrap="none" rtlCol="0">
-            <a:spAutoFit/>
-          </a:bodyPr>
-          <a:lstStyle/>
-          <a:p>
-            <a:r>
-              <a:rPr lang="de-DE" sz="1400" i="1" dirty="0" err="1">
-                <a:solidFill>
-                  <a:srgbClr val="00549F"/>
-                </a:solidFill>
-                <a:latin typeface="Comic Sans MS" panose="030F0702030302020204" pitchFamily="66" charset="0"/>
-              </a:rPr>
-              <a:t>i</a:t>
-            </a:r>
-            <a:r>
-              <a:rPr lang="de-DE" sz="1400" i="1" dirty="0" err="1" smtClean="0">
-                <a:solidFill>
-                  <a:srgbClr val="00549F"/>
-                </a:solidFill>
-                <a:latin typeface="Comic Sans MS" panose="030F0702030302020204" pitchFamily="66" charset="0"/>
-              </a:rPr>
-              <a:t>ntroduced</a:t>
-            </a:r>
-            <a:r>
-              <a:rPr lang="de-DE" sz="1400" i="1" dirty="0" smtClean="0">
-                <a:solidFill>
-                  <a:srgbClr val="00549F"/>
-                </a:solidFill>
-                <a:latin typeface="Comic Sans MS" panose="030F0702030302020204" pitchFamily="66" charset="0"/>
-              </a:rPr>
-              <a:t> </a:t>
-            </a:r>
-            <a:r>
-              <a:rPr lang="de-DE" sz="1400" i="1" dirty="0" err="1" smtClean="0">
-                <a:solidFill>
-                  <a:srgbClr val="00549F"/>
-                </a:solidFill>
-                <a:latin typeface="Comic Sans MS" panose="030F0702030302020204" pitchFamily="66" charset="0"/>
-              </a:rPr>
-              <a:t>by</a:t>
-            </a:r>
-            <a:r>
-              <a:rPr lang="de-DE" sz="1400" i="1" dirty="0" smtClean="0">
-                <a:solidFill>
-                  <a:srgbClr val="00549F"/>
-                </a:solidFill>
-                <a:latin typeface="Comic Sans MS" panose="030F0702030302020204" pitchFamily="66" charset="0"/>
-              </a:rPr>
-              <a:t> </a:t>
-            </a:r>
-            <a:r>
-              <a:rPr lang="de-DE" sz="1400" i="1" dirty="0" err="1" smtClean="0">
-                <a:solidFill>
-                  <a:srgbClr val="00549F"/>
-                </a:solidFill>
-                <a:latin typeface="Comic Sans MS" panose="030F0702030302020204" pitchFamily="66" charset="0"/>
-              </a:rPr>
-              <a:t>SDBody</a:t>
-            </a:r>
-            <a:endParaRPr lang="en-US" sz="1400" i="1" dirty="0">
-              <a:solidFill>
-                <a:srgbClr val="00549F"/>
-              </a:solidFill>
-              <a:latin typeface="Comic Sans MS" panose="030F0702030302020204" pitchFamily="66" charset="0"/>
-            </a:endParaRPr>
-          </a:p>
-        </p:txBody>
-      </p:sp>
-      <p:sp>
-        <p:nvSpPr>
-          <p:cNvPr id="51" name="Textfeld 50"/>
-          <p:cNvSpPr txBox="1"/>
-          <p:nvPr/>
-        </p:nvSpPr>
-        <p:spPr>
-          <a:xfrm>
-            <a:off x="1544245" y="3092376"/>
-            <a:ext cx="1659429" cy="523220"/>
-          </a:xfrm>
-          <a:prstGeom prst="rect">
-            <a:avLst/>
-          </a:prstGeom>
-          <a:noFill/>
-        </p:spPr>
-        <p:txBody>
-          <a:bodyPr wrap="none" rtlCol="0">
-            <a:spAutoFit/>
-          </a:bodyPr>
-          <a:lstStyle/>
-          <a:p>
-            <a:r>
-              <a:rPr lang="de-DE" sz="1400" i="1" dirty="0" err="1">
-                <a:solidFill>
-                  <a:srgbClr val="00549F"/>
-                </a:solidFill>
-                <a:latin typeface="Comic Sans MS" panose="030F0702030302020204" pitchFamily="66" charset="0"/>
-              </a:rPr>
-              <a:t>i</a:t>
-            </a:r>
-            <a:r>
-              <a:rPr lang="de-DE" sz="1400" i="1" dirty="0" err="1" smtClean="0">
-                <a:solidFill>
-                  <a:srgbClr val="00549F"/>
-                </a:solidFill>
-                <a:latin typeface="Comic Sans MS" panose="030F0702030302020204" pitchFamily="66" charset="0"/>
-              </a:rPr>
-              <a:t>ntroduced</a:t>
-            </a:r>
-            <a:r>
-              <a:rPr lang="de-DE" sz="1400" i="1" dirty="0" smtClean="0">
-                <a:solidFill>
-                  <a:srgbClr val="00549F"/>
-                </a:solidFill>
-                <a:latin typeface="Comic Sans MS" panose="030F0702030302020204" pitchFamily="66" charset="0"/>
-              </a:rPr>
-              <a:t> </a:t>
-            </a:r>
-            <a:r>
-              <a:rPr lang="de-DE" sz="1400" i="1" dirty="0" err="1" smtClean="0">
-                <a:solidFill>
-                  <a:srgbClr val="00549F"/>
-                </a:solidFill>
-                <a:latin typeface="Comic Sans MS" panose="030F0702030302020204" pitchFamily="66" charset="0"/>
-              </a:rPr>
-              <a:t>by</a:t>
-            </a:r>
-            <a:endParaRPr lang="de-DE" sz="1400" i="1" dirty="0" smtClean="0">
-              <a:solidFill>
-                <a:srgbClr val="00549F"/>
-              </a:solidFill>
-              <a:latin typeface="Comic Sans MS" panose="030F0702030302020204" pitchFamily="66" charset="0"/>
-            </a:endParaRPr>
-          </a:p>
-          <a:p>
-            <a:r>
-              <a:rPr lang="de-DE" sz="1400" i="1" dirty="0" err="1" smtClean="0">
-                <a:solidFill>
-                  <a:srgbClr val="00549F"/>
-                </a:solidFill>
-                <a:latin typeface="Comic Sans MS" panose="030F0702030302020204" pitchFamily="66" charset="0"/>
-              </a:rPr>
-              <a:t>SequenceDiagram</a:t>
-            </a:r>
-            <a:endParaRPr lang="en-US" sz="1400" i="1" dirty="0">
-              <a:solidFill>
-                <a:srgbClr val="00549F"/>
-              </a:solidFill>
-              <a:latin typeface="Comic Sans MS" panose="030F0702030302020204" pitchFamily="66" charset="0"/>
-            </a:endParaRPr>
-          </a:p>
-        </p:txBody>
-      </p:sp>
-      <p:sp>
-        <p:nvSpPr>
-          <p:cNvPr id="44" name="Freihandform 43"/>
+          <a:ln>
+            <a:solidFill>
+              <a:schemeClr val="tx1"/>
+            </a:solidFill>
+            <a:tailEnd type="triangle"/>
+          </a:ln>
+        </p:spPr>
+        <p:style>
+          <a:lnRef idx="1">
+            <a:schemeClr val="accent1"/>
+          </a:lnRef>
+          <a:fillRef idx="0">
+            <a:schemeClr val="accent1"/>
+          </a:fillRef>
+          <a:effectRef idx="0">
+            <a:schemeClr val="accent1"/>
+          </a:effectRef>
+          <a:fontRef idx="minor">
+            <a:schemeClr val="tx1"/>
+          </a:fontRef>
+        </p:style>
+      </p:cxnSp>
+      <p:sp>
+        <p:nvSpPr>
+          <p:cNvPr id="87" name="Freihandform 86"/>
           <p:cNvSpPr/>
           <p:nvPr/>
         </p:nvSpPr>
         <p:spPr>
           <a:xfrm>
-            <a:off x="2173743" y="3566160"/>
-            <a:ext cx="554217" cy="312420"/>
+            <a:off x="9782175" y="3305175"/>
+            <a:ext cx="287036" cy="181228"/>
           </a:xfrm>
           <a:custGeom>
             <a:avLst/>
             <a:gdLst>
-              <a:gd name="connsiteX0" fmla="*/ 317997 w 554217"/>
-              <a:gd name="connsiteY0" fmla="*/ 0 h 312420"/>
-              <a:gd name="connsiteX1" fmla="*/ 5577 w 554217"/>
-              <a:gd name="connsiteY1" fmla="*/ 198120 h 312420"/>
-              <a:gd name="connsiteX2" fmla="*/ 554217 w 554217"/>
-              <a:gd name="connsiteY2" fmla="*/ 312420 h 312420"/>
+              <a:gd name="connsiteX0" fmla="*/ 85725 w 287036"/>
+              <a:gd name="connsiteY0" fmla="*/ 0 h 181228"/>
+              <a:gd name="connsiteX1" fmla="*/ 285750 w 287036"/>
+              <a:gd name="connsiteY1" fmla="*/ 152400 h 181228"/>
+              <a:gd name="connsiteX2" fmla="*/ 0 w 287036"/>
+              <a:gd name="connsiteY2" fmla="*/ 180975 h 181228"/>
             </a:gdLst>
             <a:ahLst/>
             <a:cxnLst>
@@ -8325,19 +7624,19 @@
             </a:cxnLst>
             <a:rect l="l" t="t" r="r" b="b"/>
             <a:pathLst>
-              <a:path w="554217" h="312420">
+              <a:path w="287036" h="181228">
                 <a:moveTo>
-                  <a:pt x="317997" y="0"/>
+                  <a:pt x="85725" y="0"/>
                 </a:moveTo>
                 <a:cubicBezTo>
-                  <a:pt x="142102" y="73025"/>
-                  <a:pt x="-33793" y="146050"/>
-                  <a:pt x="5577" y="198120"/>
+                  <a:pt x="192881" y="61119"/>
+                  <a:pt x="300037" y="122238"/>
+                  <a:pt x="285750" y="152400"/>
                 </a:cubicBezTo>
                 <a:cubicBezTo>
-                  <a:pt x="44947" y="250190"/>
-                  <a:pt x="299582" y="281305"/>
-                  <a:pt x="554217" y="312420"/>
+                  <a:pt x="271463" y="182562"/>
+                  <a:pt x="135731" y="181768"/>
+                  <a:pt x="0" y="180975"/>
                 </a:cubicBezTo>
               </a:path>
             </a:pathLst>
@@ -8378,94 +7677,280 @@
       </p:sp>
       <p:sp>
         <p:nvSpPr>
-          <p:cNvPr id="45" name="Freihandform 44"/>
-          <p:cNvSpPr/>
+          <p:cNvPr id="88" name="Rectangle 1082">
+            <a:extLst>
+              <a:ext uri="{FF2B5EF4-FFF2-40B4-BE49-F238E27FC236}">
+                <a16:creationId xmlns:a16="http://schemas.microsoft.com/office/drawing/2014/main" id="{6EBE3F40-E2BE-4E07-A017-31DB9C61355D}"/>
+              </a:ext>
+            </a:extLst>
+          </p:cNvPr>
+          <p:cNvSpPr>
+            <a:spLocks noChangeArrowheads="1"/>
+          </p:cNvSpPr>
           <p:nvPr/>
         </p:nvSpPr>
-        <p:spPr>
-          <a:xfrm>
-            <a:off x="7574280" y="3573780"/>
-            <a:ext cx="259118" cy="205740"/>
-          </a:xfrm>
-          <a:custGeom>
+        <p:spPr bwMode="auto">
+          <a:xfrm>
+            <a:off x="7722383" y="5185949"/>
+            <a:ext cx="2683457" cy="971270"/>
+          </a:xfrm>
+          <a:prstGeom prst="rect">
             <a:avLst/>
-            <a:gdLst>
-              <a:gd name="connsiteX0" fmla="*/ 0 w 259118"/>
-              <a:gd name="connsiteY0" fmla="*/ 0 h 205740"/>
-              <a:gd name="connsiteX1" fmla="*/ 259080 w 259118"/>
-              <a:gd name="connsiteY1" fmla="*/ 144780 h 205740"/>
-              <a:gd name="connsiteX2" fmla="*/ 15240 w 259118"/>
-              <a:gd name="connsiteY2" fmla="*/ 205740 h 205740"/>
-            </a:gdLst>
-            <a:ahLst/>
-            <a:cxnLst>
-              <a:cxn ang="0">
-                <a:pos x="connsiteX0" y="connsiteY0"/>
-              </a:cxn>
-              <a:cxn ang="0">
-                <a:pos x="connsiteX1" y="connsiteY1"/>
-              </a:cxn>
-              <a:cxn ang="0">
-                <a:pos x="connsiteX2" y="connsiteY2"/>
-              </a:cxn>
-            </a:cxnLst>
-            <a:rect l="l" t="t" r="r" b="b"/>
-            <a:pathLst>
-              <a:path w="259118" h="205740">
-                <a:moveTo>
-                  <a:pt x="0" y="0"/>
-                </a:moveTo>
-                <a:cubicBezTo>
-                  <a:pt x="128270" y="55245"/>
-                  <a:pt x="256540" y="110490"/>
-                  <a:pt x="259080" y="144780"/>
-                </a:cubicBezTo>
-                <a:cubicBezTo>
-                  <a:pt x="261620" y="179070"/>
-                  <a:pt x="138430" y="192405"/>
-                  <a:pt x="15240" y="205740"/>
-                </a:cubicBezTo>
-              </a:path>
-            </a:pathLst>
-          </a:custGeom>
+          </a:prstGeom>
           <a:noFill/>
           <a:ln w="9525">
             <a:solidFill>
-              <a:srgbClr val="00549F"/>
+              <a:schemeClr val="tx1"/>
             </a:solidFill>
-            <a:headEnd type="none" w="med" len="med"/>
-            <a:tailEnd type="arrow" w="med" len="med"/>
+            <a:miter lim="800000"/>
+            <a:headEnd/>
+            <a:tailEnd/>
           </a:ln>
         </p:spPr>
+        <p:txBody>
+          <a:bodyPr wrap="none" anchor="ctr"/>
+          <a:lstStyle/>
+          <a:p>
+            <a:endParaRPr lang="en-US"/>
+          </a:p>
+        </p:txBody>
+      </p:sp>
+      <p:sp>
+        <p:nvSpPr>
+          <p:cNvPr id="89" name="Text Box 1083">
+            <a:extLst>
+              <a:ext uri="{FF2B5EF4-FFF2-40B4-BE49-F238E27FC236}">
+                <a16:creationId xmlns:a16="http://schemas.microsoft.com/office/drawing/2014/main" id="{4FDD4C68-E188-427A-9B4F-E38F0DC74A3C}"/>
+              </a:ext>
+            </a:extLst>
+          </p:cNvPr>
+          <p:cNvSpPr txBox="1">
+            <a:spLocks noChangeArrowheads="1"/>
+          </p:cNvSpPr>
+          <p:nvPr/>
+        </p:nvSpPr>
+        <p:spPr bwMode="auto">
+          <a:xfrm>
+            <a:off x="7722383" y="5239322"/>
+            <a:ext cx="2671625" cy="307595"/>
+          </a:xfrm>
+          <a:prstGeom prst="rect">
+            <a:avLst/>
+          </a:prstGeom>
+          <a:noFill/>
+          <a:ln w="9525">
+            <a:noFill/>
+            <a:miter lim="800000"/>
+            <a:headEnd/>
+            <a:tailEnd/>
+          </a:ln>
+        </p:spPr>
+        <p:txBody>
+          <a:bodyPr wrap="square">
+            <a:spAutoFit/>
+          </a:bodyPr>
+          <a:lstStyle/>
+          <a:p>
+            <a:pPr algn="ctr" eaLnBrk="0" hangingPunct="0"/>
+            <a:r>
+              <a:rPr lang="en-US" altLang="de-DE" sz="1400" u="sng" dirty="0" smtClean="0"/>
+              <a:t>:</a:t>
+            </a:r>
+            <a:r>
+              <a:rPr lang="en-US" altLang="de-DE" sz="1400" u="sng" dirty="0" err="1" smtClean="0"/>
+              <a:t>VariableSymbol</a:t>
+            </a:r>
+            <a:endParaRPr lang="en-US" altLang="de-DE" sz="1400" u="sng" dirty="0"/>
+          </a:p>
+        </p:txBody>
+      </p:sp>
+      <p:sp>
+        <p:nvSpPr>
+          <p:cNvPr id="90" name="Rectangle 1084">
+            <a:extLst>
+              <a:ext uri="{FF2B5EF4-FFF2-40B4-BE49-F238E27FC236}">
+                <a16:creationId xmlns:a16="http://schemas.microsoft.com/office/drawing/2014/main" id="{09C32812-763E-4B73-8F4A-2B04469D3354}"/>
+              </a:ext>
+            </a:extLst>
+          </p:cNvPr>
+          <p:cNvSpPr>
+            <a:spLocks noChangeArrowheads="1"/>
+          </p:cNvSpPr>
+          <p:nvPr/>
+        </p:nvSpPr>
+        <p:spPr bwMode="auto">
+          <a:xfrm>
+            <a:off x="7722383" y="5590458"/>
+            <a:ext cx="2683457" cy="566761"/>
+          </a:xfrm>
+          <a:prstGeom prst="rect">
+            <a:avLst/>
+          </a:prstGeom>
+          <a:noFill/>
+          <a:ln w="9525">
+            <a:solidFill>
+              <a:schemeClr val="tx1"/>
+            </a:solidFill>
+            <a:miter lim="800000"/>
+            <a:headEnd/>
+            <a:tailEnd/>
+          </a:ln>
+        </p:spPr>
+        <p:txBody>
+          <a:bodyPr wrap="none" anchor="ctr"/>
+          <a:lstStyle/>
+          <a:p>
+            <a:endParaRPr lang="en-US"/>
+          </a:p>
+        </p:txBody>
+      </p:sp>
+      <p:sp>
+        <p:nvSpPr>
+          <p:cNvPr id="91" name="Text Box 1085">
+            <a:extLst>
+              <a:ext uri="{FF2B5EF4-FFF2-40B4-BE49-F238E27FC236}">
+                <a16:creationId xmlns:a16="http://schemas.microsoft.com/office/drawing/2014/main" id="{41A16585-08A4-44ED-80D7-E6ACC0A0AC4A}"/>
+              </a:ext>
+            </a:extLst>
+          </p:cNvPr>
+          <p:cNvSpPr txBox="1">
+            <a:spLocks noChangeArrowheads="1"/>
+          </p:cNvSpPr>
+          <p:nvPr/>
+        </p:nvSpPr>
+        <p:spPr bwMode="auto">
+          <a:xfrm>
+            <a:off x="7722383" y="5590458"/>
+            <a:ext cx="2071504" cy="523220"/>
+          </a:xfrm>
+          <a:prstGeom prst="rect">
+            <a:avLst/>
+          </a:prstGeom>
+          <a:noFill/>
+          <a:ln w="9525">
+            <a:noFill/>
+            <a:miter lim="800000"/>
+            <a:headEnd/>
+            <a:tailEnd/>
+          </a:ln>
+        </p:spPr>
+        <p:txBody>
+          <a:bodyPr wrap="square">
+            <a:spAutoFit/>
+          </a:bodyPr>
+          <a:lstStyle/>
+          <a:p>
+            <a:r>
+              <a:rPr lang="de-DE" sz="1400" dirty="0" err="1"/>
+              <a:t>name</a:t>
+            </a:r>
+            <a:r>
+              <a:rPr lang="de-DE" sz="1400" dirty="0"/>
+              <a:t> = </a:t>
+            </a:r>
+            <a:r>
+              <a:rPr lang="de-DE" sz="1400" dirty="0" smtClean="0"/>
+              <a:t>"m"</a:t>
+            </a:r>
+            <a:endParaRPr lang="de-DE" sz="1400" dirty="0" smtClean="0"/>
+          </a:p>
+          <a:p>
+            <a:r>
+              <a:rPr lang="de-DE" sz="1400" dirty="0" smtClean="0"/>
+              <a:t>type </a:t>
+            </a:r>
+            <a:r>
+              <a:rPr lang="de-DE" sz="1400" dirty="0"/>
+              <a:t>= </a:t>
+            </a:r>
+            <a:r>
+              <a:rPr lang="de-DE" sz="1400" dirty="0" err="1" smtClean="0"/>
+              <a:t>int</a:t>
+            </a:r>
+            <a:endParaRPr lang="de-DE" sz="1400" dirty="0"/>
+          </a:p>
+        </p:txBody>
+      </p:sp>
+      <p:cxnSp>
+        <p:nvCxnSpPr>
+          <p:cNvPr id="93" name="Gewinkelter Verbinder 92"/>
+          <p:cNvCxnSpPr>
+            <a:endCxn id="77" idx="1"/>
+          </p:cNvCxnSpPr>
+          <p:nvPr/>
+        </p:nvCxnSpPr>
+        <p:spPr>
+          <a:xfrm rot="16200000" flipH="1">
+            <a:off x="7142315" y="4128371"/>
+            <a:ext cx="991079" cy="169058"/>
+          </a:xfrm>
+          <a:prstGeom prst="bentConnector2">
+            <a:avLst/>
+          </a:prstGeom>
+          <a:ln>
+            <a:solidFill>
+              <a:schemeClr val="tx1"/>
+            </a:solidFill>
+            <a:tailEnd type="triangle"/>
+          </a:ln>
+        </p:spPr>
         <p:style>
-          <a:lnRef idx="2">
-            <a:schemeClr val="accent1">
-              <a:shade val="50000"/>
-            </a:schemeClr>
+          <a:lnRef idx="1">
+            <a:schemeClr val="accent1"/>
           </a:lnRef>
-          <a:fillRef idx="1">
+          <a:fillRef idx="0">
             <a:schemeClr val="accent1"/>
           </a:fillRef>
           <a:effectRef idx="0">
             <a:schemeClr val="accent1"/>
           </a:effectRef>
           <a:fontRef idx="minor">
-            <a:schemeClr val="lt1"/>
+            <a:schemeClr val="tx1"/>
           </a:fontRef>
         </p:style>
-        <p:txBody>
-          <a:bodyPr rtlCol="0" anchor="ctr"/>
-          <a:lstStyle/>
-          <a:p>
-            <a:pPr algn="ctr"/>
-            <a:endParaRPr lang="en-US"/>
-          </a:p>
-        </p:txBody>
-      </p:sp>
+      </p:cxnSp>
+      <p:cxnSp>
+        <p:nvCxnSpPr>
+          <p:cNvPr id="95" name="Gewinkelter Verbinder 94"/>
+          <p:cNvCxnSpPr>
+            <a:endCxn id="91" idx="1"/>
+          </p:cNvCxnSpPr>
+          <p:nvPr/>
+        </p:nvCxnSpPr>
+        <p:spPr>
+          <a:xfrm rot="16200000" flipH="1">
+            <a:off x="6426562" y="4556246"/>
+            <a:ext cx="2134707" cy="456936"/>
+          </a:xfrm>
+          <a:prstGeom prst="bentConnector2">
+            <a:avLst/>
+          </a:prstGeom>
+          <a:ln>
+            <a:solidFill>
+              <a:schemeClr val="tx1"/>
+            </a:solidFill>
+            <a:tailEnd type="triangle"/>
+          </a:ln>
+        </p:spPr>
+        <p:style>
+          <a:lnRef idx="1">
+            <a:schemeClr val="accent1"/>
+          </a:lnRef>
+          <a:fillRef idx="0">
+            <a:schemeClr val="accent1"/>
+          </a:fillRef>
+          <a:effectRef idx="0">
+            <a:schemeClr val="accent1"/>
+          </a:effectRef>
+          <a:fontRef idx="minor">
+            <a:schemeClr val="tx1"/>
+          </a:fontRef>
+        </p:style>
+      </p:cxnSp>
     </p:spTree>
     <p:extLst>
       <p:ext uri="{BB962C8B-B14F-4D97-AF65-F5344CB8AC3E}">
-        <p14:creationId xmlns:p14="http://schemas.microsoft.com/office/powerpoint/2010/main" val="1696349922"/>
+        <p14:creationId xmlns:p14="http://schemas.microsoft.com/office/powerpoint/2010/main" val="2907654920"/>
       </p:ext>
     </p:extLst>
   </p:cSld>
@@ -8515,55 +8000,6 @@
           </a:p>
         </p:txBody>
       </p:sp>
-      <p:sp>
-        <p:nvSpPr>
-          <p:cNvPr id="3" name="Text Box 65">
-            <a:extLst>
-              <a:ext uri="{FF2B5EF4-FFF2-40B4-BE49-F238E27FC236}">
-                <a16:creationId xmlns:a16="http://schemas.microsoft.com/office/drawing/2014/main" id="{E46357DB-D9C6-4A3D-A6F6-2E27F9CCD5D3}"/>
-              </a:ext>
-            </a:extLst>
-          </p:cNvPr>
-          <p:cNvSpPr txBox="1">
-            <a:spLocks noChangeArrowheads="1"/>
-          </p:cNvSpPr>
-          <p:nvPr/>
-        </p:nvSpPr>
-        <p:spPr bwMode="auto">
-          <a:xfrm>
-            <a:off x="7905749" y="4992512"/>
-            <a:ext cx="2294218" cy="338554"/>
-          </a:xfrm>
-          <a:prstGeom prst="rect">
-            <a:avLst/>
-          </a:prstGeom>
-          <a:noFill/>
-          <a:ln w="9525">
-            <a:noFill/>
-            <a:miter lim="800000"/>
-            <a:headEnd/>
-            <a:tailEnd/>
-          </a:ln>
-        </p:spPr>
-        <p:txBody>
-          <a:bodyPr wrap="none">
-            <a:spAutoFit/>
-          </a:bodyPr>
-          <a:lstStyle/>
-          <a:p>
-            <a:pPr eaLnBrk="0" hangingPunct="0"/>
-            <a:r>
-              <a:rPr lang="en-US" altLang="de-DE" sz="1600" i="1" dirty="0">
-                <a:solidFill>
-                  <a:srgbClr val="00549F"/>
-                </a:solidFill>
-                <a:latin typeface="Comic Sans MS" pitchFamily="66" charset="0"/>
-              </a:rPr>
-              <a:t>scope spanning symbol</a:t>
-            </a:r>
-          </a:p>
-        </p:txBody>
-      </p:sp>
       <p:grpSp>
         <p:nvGrpSpPr>
           <p:cNvPr id="5" name="Gruppieren 4">
@@ -8578,7 +8014,7 @@
         </p:nvGrpSpPr>
         <p:grpSpPr>
           <a:xfrm>
-            <a:off x="4531262" y="5252089"/>
+            <a:off x="855231" y="5420290"/>
             <a:ext cx="3374487" cy="581853"/>
             <a:chOff x="4458377" y="2728020"/>
             <a:chExt cx="3374487" cy="581853"/>
@@ -8662,8 +8098,8 @@
             <a:p>
               <a:pPr algn="ctr" eaLnBrk="0" hangingPunct="0"/>
               <a:r>
-                <a:rPr lang="en-US" altLang="de-DE" dirty="0" err="1"/>
-                <a:t>SequenceDiagramSymbol</a:t>
+                <a:rPr lang="en-US" altLang="de-DE" dirty="0" err="1" smtClean="0"/>
+                <a:t>DiagramSymbol</a:t>
               </a:r>
               <a:endParaRPr lang="en-US" altLang="de-DE" dirty="0"/>
             </a:p>
@@ -8686,7 +8122,7 @@
         </p:nvGrpSpPr>
         <p:grpSpPr bwMode="auto">
           <a:xfrm>
-            <a:off x="4514255" y="7114664"/>
+            <a:off x="8239052" y="6344646"/>
             <a:ext cx="3391494" cy="583454"/>
             <a:chOff x="2401" y="2572"/>
             <a:chExt cx="1791" cy="1102"/>
@@ -8778,46 +8214,6 @@
           </p:txBody>
         </p:sp>
       </p:grpSp>
-      <p:sp>
-        <p:nvSpPr>
-          <p:cNvPr id="11" name="Line 1121">
-            <a:extLst>
-              <a:ext uri="{FF2B5EF4-FFF2-40B4-BE49-F238E27FC236}">
-                <a16:creationId xmlns:a16="http://schemas.microsoft.com/office/drawing/2014/main" id="{D98FFA22-0F0D-4045-A974-43284828F7A5}"/>
-              </a:ext>
-            </a:extLst>
-          </p:cNvPr>
-          <p:cNvSpPr>
-            <a:spLocks noChangeShapeType="1"/>
-          </p:cNvSpPr>
-          <p:nvPr/>
-        </p:nvSpPr>
-        <p:spPr bwMode="auto">
-          <a:xfrm>
-            <a:off x="6201940" y="5843639"/>
-            <a:ext cx="0" cy="349373"/>
-          </a:xfrm>
-          <a:prstGeom prst="line">
-            <a:avLst/>
-          </a:prstGeom>
-          <a:noFill/>
-          <a:ln w="9525">
-            <a:solidFill>
-              <a:schemeClr val="tx1"/>
-            </a:solidFill>
-            <a:round/>
-            <a:headEnd/>
-            <a:tailEnd type="triangle" w="med" len="med"/>
-          </a:ln>
-        </p:spPr>
-        <p:txBody>
-          <a:bodyPr anchor="ctr"/>
-          <a:lstStyle/>
-          <a:p>
-            <a:endParaRPr lang="de-DE"/>
-          </a:p>
-        </p:txBody>
-      </p:sp>
       <p:grpSp>
         <p:nvGrpSpPr>
           <p:cNvPr id="13" name="Gruppieren 12">
@@ -8832,7 +8228,7 @@
         </p:nvGrpSpPr>
         <p:grpSpPr>
           <a:xfrm>
-            <a:off x="4514255" y="6201548"/>
+            <a:off x="8239052" y="5418943"/>
             <a:ext cx="3391494" cy="583200"/>
             <a:chOff x="4455965" y="4041139"/>
             <a:chExt cx="2844000" cy="583200"/>
@@ -8924,158 +8320,6 @@
           </p:txBody>
         </p:sp>
       </p:grpSp>
-      <p:cxnSp>
-        <p:nvCxnSpPr>
-          <p:cNvPr id="16" name="Gerade Verbindung mit Pfeil 15">
-            <a:extLst>
-              <a:ext uri="{FF2B5EF4-FFF2-40B4-BE49-F238E27FC236}">
-                <a16:creationId xmlns:a16="http://schemas.microsoft.com/office/drawing/2014/main" id="{CAF20B25-CF83-48FF-BAC0-D8778262A05D}"/>
-              </a:ext>
-            </a:extLst>
-          </p:cNvPr>
-          <p:cNvCxnSpPr>
-            <a:cxnSpLocks/>
-          </p:cNvCxnSpPr>
-          <p:nvPr/>
-        </p:nvCxnSpPr>
-        <p:spPr>
-          <a:xfrm>
-            <a:off x="6805998" y="5994805"/>
-            <a:ext cx="0" cy="198207"/>
-          </a:xfrm>
-          <a:prstGeom prst="straightConnector1">
-            <a:avLst/>
-          </a:prstGeom>
-          <a:ln>
-            <a:tailEnd type="triangle"/>
-          </a:ln>
-        </p:spPr>
-        <p:style>
-          <a:lnRef idx="1">
-            <a:schemeClr val="dk1"/>
-          </a:lnRef>
-          <a:fillRef idx="0">
-            <a:schemeClr val="dk1"/>
-          </a:fillRef>
-          <a:effectRef idx="0">
-            <a:schemeClr val="dk1"/>
-          </a:effectRef>
-          <a:fontRef idx="minor">
-            <a:schemeClr val="tx1"/>
-          </a:fontRef>
-        </p:style>
-      </p:cxnSp>
-      <p:cxnSp>
-        <p:nvCxnSpPr>
-          <p:cNvPr id="17" name="Verbinder: gewinkelt 77">
-            <a:extLst>
-              <a:ext uri="{FF2B5EF4-FFF2-40B4-BE49-F238E27FC236}">
-                <a16:creationId xmlns:a16="http://schemas.microsoft.com/office/drawing/2014/main" id="{EC84C03B-07B7-4AF1-A55E-A8B4BDA63731}"/>
-              </a:ext>
-            </a:extLst>
-          </p:cNvPr>
-          <p:cNvCxnSpPr>
-            <a:cxnSpLocks/>
-            <a:stCxn id="15" idx="3"/>
-          </p:cNvCxnSpPr>
-          <p:nvPr/>
-        </p:nvCxnSpPr>
-        <p:spPr>
-          <a:xfrm flipH="1" flipV="1">
-            <a:off x="6815524" y="5994343"/>
-            <a:ext cx="1090225" cy="519582"/>
-          </a:xfrm>
-          <a:prstGeom prst="bentConnector3">
-            <a:avLst>
-              <a:gd name="adj1" fmla="val -16600"/>
-            </a:avLst>
-          </a:prstGeom>
-        </p:spPr>
-        <p:style>
-          <a:lnRef idx="1">
-            <a:schemeClr val="dk1"/>
-          </a:lnRef>
-          <a:fillRef idx="0">
-            <a:schemeClr val="dk1"/>
-          </a:fillRef>
-          <a:effectRef idx="0">
-            <a:schemeClr val="dk1"/>
-          </a:effectRef>
-          <a:fontRef idx="minor">
-            <a:schemeClr val="tx1"/>
-          </a:fontRef>
-        </p:style>
-      </p:cxnSp>
-      <p:sp>
-        <p:nvSpPr>
-          <p:cNvPr id="18" name="Textfeld 17">
-            <a:extLst>
-              <a:ext uri="{FF2B5EF4-FFF2-40B4-BE49-F238E27FC236}">
-                <a16:creationId xmlns:a16="http://schemas.microsoft.com/office/drawing/2014/main" id="{176C3CCD-9E5F-4202-A2A6-001C00895217}"/>
-              </a:ext>
-            </a:extLst>
-          </p:cNvPr>
-          <p:cNvSpPr txBox="1"/>
-          <p:nvPr/>
-        </p:nvSpPr>
-        <p:spPr>
-          <a:xfrm>
-            <a:off x="5940480" y="5940101"/>
-            <a:ext cx="248068" cy="292388"/>
-          </a:xfrm>
-          <a:prstGeom prst="rect">
-            <a:avLst/>
-          </a:prstGeom>
-          <a:noFill/>
-        </p:spPr>
-        <p:txBody>
-          <a:bodyPr wrap="square" rtlCol="0">
-            <a:spAutoFit/>
-          </a:bodyPr>
-          <a:lstStyle/>
-          <a:p>
-            <a:r>
-              <a:rPr lang="de-DE" sz="1300" dirty="0"/>
-              <a:t>1</a:t>
-            </a:r>
-          </a:p>
-        </p:txBody>
-      </p:sp>
-      <p:sp>
-        <p:nvSpPr>
-          <p:cNvPr id="19" name="Textfeld 18">
-            <a:extLst>
-              <a:ext uri="{FF2B5EF4-FFF2-40B4-BE49-F238E27FC236}">
-                <a16:creationId xmlns:a16="http://schemas.microsoft.com/office/drawing/2014/main" id="{A993B414-125A-4185-8EEA-C2768331D693}"/>
-              </a:ext>
-            </a:extLst>
-          </p:cNvPr>
-          <p:cNvSpPr txBox="1"/>
-          <p:nvPr/>
-        </p:nvSpPr>
-        <p:spPr>
-          <a:xfrm>
-            <a:off x="6567246" y="5930812"/>
-            <a:ext cx="338548" cy="292388"/>
-          </a:xfrm>
-          <a:prstGeom prst="rect">
-            <a:avLst/>
-          </a:prstGeom>
-          <a:noFill/>
-        </p:spPr>
-        <p:txBody>
-          <a:bodyPr wrap="square" rtlCol="0">
-            <a:spAutoFit/>
-          </a:bodyPr>
-          <a:lstStyle/>
-          <a:p>
-            <a:r>
-              <a:rPr lang="de-DE" sz="1300" dirty="0"/>
-              <a:t>1</a:t>
-            </a:r>
-          </a:p>
-        </p:txBody>
-      </p:sp>
       <p:sp>
         <p:nvSpPr>
           <p:cNvPr id="20" name="Textfeld 19">
@@ -9090,7 +8334,7 @@
         </p:nvSpPr>
         <p:spPr>
           <a:xfrm>
-            <a:off x="5940480" y="6899872"/>
+            <a:off x="9665277" y="6129854"/>
             <a:ext cx="294176" cy="292388"/>
           </a:xfrm>
           <a:prstGeom prst="rect">
@@ -9127,7 +8371,7 @@
         </p:nvSpPr>
         <p:spPr bwMode="auto">
           <a:xfrm>
-            <a:off x="8101014" y="5747741"/>
+            <a:off x="9926737" y="5105447"/>
             <a:ext cx="1534394" cy="338554"/>
           </a:xfrm>
           <a:prstGeom prst="rect">
@@ -9383,10 +8627,10 @@
       </p:grpSp>
       <p:sp>
         <p:nvSpPr>
-          <p:cNvPr id="28" name="Line 1121">
+          <p:cNvPr id="29" name="Line 1121">
             <a:extLst>
               <a:ext uri="{FF2B5EF4-FFF2-40B4-BE49-F238E27FC236}">
-                <a16:creationId xmlns:a16="http://schemas.microsoft.com/office/drawing/2014/main" id="{5731058F-984A-47D9-9034-F756922463B4}"/>
+                <a16:creationId xmlns:a16="http://schemas.microsoft.com/office/drawing/2014/main" id="{5FDC0BB6-0432-4C5B-A03C-32F42A280E5B}"/>
               </a:ext>
             </a:extLst>
           </p:cNvPr>
@@ -9397,7 +8641,7 @@
         </p:nvSpPr>
         <p:spPr bwMode="auto">
           <a:xfrm>
-            <a:off x="6201940" y="4922950"/>
+            <a:off x="6201940" y="4020766"/>
             <a:ext cx="0" cy="326362"/>
           </a:xfrm>
           <a:prstGeom prst="line">
@@ -9423,10 +8667,10 @@
       </p:sp>
       <p:sp>
         <p:nvSpPr>
-          <p:cNvPr id="29" name="Line 1121">
+          <p:cNvPr id="30" name="Line 1121">
             <a:extLst>
               <a:ext uri="{FF2B5EF4-FFF2-40B4-BE49-F238E27FC236}">
-                <a16:creationId xmlns:a16="http://schemas.microsoft.com/office/drawing/2014/main" id="{5FDC0BB6-0432-4C5B-A03C-32F42A280E5B}"/>
+                <a16:creationId xmlns:a16="http://schemas.microsoft.com/office/drawing/2014/main" id="{67EDE473-4C60-4A88-A029-CB766DD6A307}"/>
               </a:ext>
             </a:extLst>
           </p:cNvPr>
@@ -9437,7 +8681,7 @@
         </p:nvSpPr>
         <p:spPr bwMode="auto">
           <a:xfrm>
-            <a:off x="6201940" y="4020766"/>
+            <a:off x="9926737" y="6018284"/>
             <a:ext cx="0" cy="326362"/>
           </a:xfrm>
           <a:prstGeom prst="line">
@@ -9463,46 +8707,6 @@
       </p:sp>
       <p:sp>
         <p:nvSpPr>
-          <p:cNvPr id="30" name="Line 1121">
-            <a:extLst>
-              <a:ext uri="{FF2B5EF4-FFF2-40B4-BE49-F238E27FC236}">
-                <a16:creationId xmlns:a16="http://schemas.microsoft.com/office/drawing/2014/main" id="{67EDE473-4C60-4A88-A029-CB766DD6A307}"/>
-              </a:ext>
-            </a:extLst>
-          </p:cNvPr>
-          <p:cNvSpPr>
-            <a:spLocks noChangeShapeType="1"/>
-          </p:cNvSpPr>
-          <p:nvPr/>
-        </p:nvSpPr>
-        <p:spPr bwMode="auto">
-          <a:xfrm>
-            <a:off x="6201940" y="6788302"/>
-            <a:ext cx="0" cy="326362"/>
-          </a:xfrm>
-          <a:prstGeom prst="line">
-            <a:avLst/>
-          </a:prstGeom>
-          <a:noFill/>
-          <a:ln w="9525">
-            <a:solidFill>
-              <a:schemeClr val="tx1"/>
-            </a:solidFill>
-            <a:round/>
-            <a:headEnd/>
-            <a:tailEnd type="triangle" w="med" len="med"/>
-          </a:ln>
-        </p:spPr>
-        <p:txBody>
-          <a:bodyPr anchor="ctr"/>
-          <a:lstStyle/>
-          <a:p>
-            <a:endParaRPr lang="de-DE"/>
-          </a:p>
-        </p:txBody>
-      </p:sp>
-      <p:sp>
-        <p:nvSpPr>
           <p:cNvPr id="31" name="AutoShape 40">
             <a:extLst>
               <a:ext uri="{FF2B5EF4-FFF2-40B4-BE49-F238E27FC236}">
@@ -9517,7 +8721,7 @@
         </p:nvSpPr>
         <p:spPr bwMode="auto">
           <a:xfrm flipV="1">
-            <a:off x="8193696" y="2901992"/>
+            <a:off x="11020946" y="3219291"/>
             <a:ext cx="609600" cy="304800"/>
           </a:xfrm>
           <a:prstGeom prst="foldedCorner">
@@ -9602,7 +8806,7 @@
         </p:nvSpPr>
         <p:spPr>
           <a:xfrm>
-            <a:off x="5948356" y="5002895"/>
+            <a:off x="5992806" y="5187530"/>
             <a:ext cx="338548" cy="292388"/>
           </a:xfrm>
           <a:prstGeom prst="rect">
@@ -9618,6 +8822,271 @@
           <a:p>
             <a:r>
               <a:rPr lang="de-DE" sz="1300" dirty="0"/>
+              <a:t>*</a:t>
+            </a:r>
+            <a:endParaRPr lang="de-DE" sz="1300" dirty="0"/>
+          </a:p>
+        </p:txBody>
+      </p:sp>
+      <p:grpSp>
+        <p:nvGrpSpPr>
+          <p:cNvPr id="35" name="Group 88">
+            <a:extLst>
+              <a:ext uri="{FF2B5EF4-FFF2-40B4-BE49-F238E27FC236}">
+                <a16:creationId xmlns:a16="http://schemas.microsoft.com/office/drawing/2014/main" id="{07280BAB-27C7-48CA-B1E3-BA6C3739447A}"/>
+              </a:ext>
+            </a:extLst>
+          </p:cNvPr>
+          <p:cNvGrpSpPr>
+            <a:grpSpLocks/>
+          </p:cNvGrpSpPr>
+          <p:nvPr/>
+        </p:nvGrpSpPr>
+        <p:grpSpPr bwMode="auto">
+          <a:xfrm>
+            <a:off x="4538638" y="5407980"/>
+            <a:ext cx="3391494" cy="583454"/>
+            <a:chOff x="2401" y="2572"/>
+            <a:chExt cx="1791" cy="1102"/>
+          </a:xfrm>
+        </p:grpSpPr>
+        <p:sp>
+          <p:nvSpPr>
+            <p:cNvPr id="36" name="Text Box 89">
+              <a:extLst>
+                <a:ext uri="{FF2B5EF4-FFF2-40B4-BE49-F238E27FC236}">
+                  <a16:creationId xmlns:a16="http://schemas.microsoft.com/office/drawing/2014/main" id="{EDD5C23E-F3F8-4693-9028-B5B943408F53}"/>
+                </a:ext>
+              </a:extLst>
+            </p:cNvPr>
+            <p:cNvSpPr txBox="1">
+              <a:spLocks noChangeArrowheads="1"/>
+            </p:cNvSpPr>
+            <p:nvPr/>
+          </p:nvSpPr>
+          <p:spPr bwMode="auto">
+            <a:xfrm>
+              <a:off x="2406" y="2754"/>
+              <a:ext cx="1786" cy="698"/>
+            </a:xfrm>
+            <a:prstGeom prst="rect">
+              <a:avLst/>
+            </a:prstGeom>
+            <a:noFill/>
+            <a:ln w="9525">
+              <a:noFill/>
+              <a:miter lim="800000"/>
+              <a:headEnd/>
+              <a:tailEnd/>
+            </a:ln>
+          </p:spPr>
+          <p:txBody>
+            <a:bodyPr wrap="square">
+              <a:spAutoFit/>
+            </a:bodyPr>
+            <a:lstStyle/>
+            <a:p>
+              <a:pPr algn="ctr" eaLnBrk="0" hangingPunct="0"/>
+              <a:r>
+                <a:rPr lang="en-US" altLang="de-DE" dirty="0" err="1"/>
+                <a:t>VariableSymbol</a:t>
+              </a:r>
+              <a:endParaRPr lang="en-US" altLang="de-DE" dirty="0"/>
+            </a:p>
+          </p:txBody>
+        </p:sp>
+        <p:sp>
+          <p:nvSpPr>
+            <p:cNvPr id="37" name="Rectangle 91">
+              <a:extLst>
+                <a:ext uri="{FF2B5EF4-FFF2-40B4-BE49-F238E27FC236}">
+                  <a16:creationId xmlns:a16="http://schemas.microsoft.com/office/drawing/2014/main" id="{6DA0866D-7D52-42C9-8771-3367BAC7FFAB}"/>
+                </a:ext>
+              </a:extLst>
+            </p:cNvPr>
+            <p:cNvSpPr>
+              <a:spLocks noChangeArrowheads="1"/>
+            </p:cNvSpPr>
+            <p:nvPr/>
+          </p:nvSpPr>
+          <p:spPr bwMode="auto">
+            <a:xfrm>
+              <a:off x="2401" y="2572"/>
+              <a:ext cx="1791" cy="1102"/>
+            </a:xfrm>
+            <a:prstGeom prst="rect">
+              <a:avLst/>
+            </a:prstGeom>
+            <a:noFill/>
+            <a:ln w="9525">
+              <a:solidFill>
+                <a:schemeClr val="tx1"/>
+              </a:solidFill>
+              <a:miter lim="800000"/>
+              <a:headEnd/>
+              <a:tailEnd/>
+            </a:ln>
+          </p:spPr>
+          <p:txBody>
+            <a:bodyPr wrap="none" anchor="ctr"/>
+            <a:lstStyle/>
+            <a:p>
+              <a:endParaRPr lang="en-US"/>
+            </a:p>
+          </p:txBody>
+        </p:sp>
+      </p:grpSp>
+      <p:cxnSp>
+        <p:nvCxnSpPr>
+          <p:cNvPr id="34" name="Gewinkelter Verbinder 33"/>
+          <p:cNvCxnSpPr>
+            <a:stCxn id="23" idx="2"/>
+            <a:endCxn id="6" idx="0"/>
+          </p:cNvCxnSpPr>
+          <p:nvPr/>
+        </p:nvCxnSpPr>
+        <p:spPr>
+          <a:xfrm rot="5400000">
+            <a:off x="4139863" y="3331594"/>
+            <a:ext cx="491309" cy="3686083"/>
+          </a:xfrm>
+          <a:prstGeom prst="bentConnector3">
+            <a:avLst>
+              <a:gd name="adj1" fmla="val 50000"/>
+            </a:avLst>
+          </a:prstGeom>
+          <a:ln>
+            <a:solidFill>
+              <a:schemeClr val="tx1"/>
+            </a:solidFill>
+            <a:tailEnd type="triangle"/>
+          </a:ln>
+        </p:spPr>
+        <p:style>
+          <a:lnRef idx="1">
+            <a:schemeClr val="accent1"/>
+          </a:lnRef>
+          <a:fillRef idx="0">
+            <a:schemeClr val="accent1"/>
+          </a:fillRef>
+          <a:effectRef idx="0">
+            <a:schemeClr val="accent1"/>
+          </a:effectRef>
+          <a:fontRef idx="minor">
+            <a:schemeClr val="tx1"/>
+          </a:fontRef>
+        </p:style>
+      </p:cxnSp>
+      <p:cxnSp>
+        <p:nvCxnSpPr>
+          <p:cNvPr id="56" name="Gerade Verbindung mit Pfeil 55"/>
+          <p:cNvCxnSpPr>
+            <a:stCxn id="23" idx="2"/>
+            <a:endCxn id="37" idx="0"/>
+          </p:cNvCxnSpPr>
+          <p:nvPr/>
+        </p:nvCxnSpPr>
+        <p:spPr>
+          <a:xfrm>
+            <a:off x="6228558" y="4928981"/>
+            <a:ext cx="0" cy="478999"/>
+          </a:xfrm>
+          <a:prstGeom prst="straightConnector1">
+            <a:avLst/>
+          </a:prstGeom>
+          <a:ln>
+            <a:solidFill>
+              <a:schemeClr val="tx1"/>
+            </a:solidFill>
+            <a:tailEnd type="triangle"/>
+          </a:ln>
+        </p:spPr>
+        <p:style>
+          <a:lnRef idx="1">
+            <a:schemeClr val="accent1"/>
+          </a:lnRef>
+          <a:fillRef idx="0">
+            <a:schemeClr val="accent1"/>
+          </a:fillRef>
+          <a:effectRef idx="0">
+            <a:schemeClr val="accent1"/>
+          </a:effectRef>
+          <a:fontRef idx="minor">
+            <a:schemeClr val="tx1"/>
+          </a:fontRef>
+        </p:style>
+      </p:cxnSp>
+      <p:cxnSp>
+        <p:nvCxnSpPr>
+          <p:cNvPr id="59" name="Gewinkelter Verbinder 58"/>
+          <p:cNvCxnSpPr>
+            <a:stCxn id="23" idx="2"/>
+            <a:endCxn id="14" idx="0"/>
+          </p:cNvCxnSpPr>
+          <p:nvPr/>
+        </p:nvCxnSpPr>
+        <p:spPr>
+          <a:xfrm rot="16200000" flipH="1">
+            <a:off x="7836697" y="3320841"/>
+            <a:ext cx="489962" cy="3706241"/>
+          </a:xfrm>
+          <a:prstGeom prst="bentConnector3">
+            <a:avLst>
+              <a:gd name="adj1" fmla="val 50000"/>
+            </a:avLst>
+          </a:prstGeom>
+          <a:ln>
+            <a:solidFill>
+              <a:schemeClr val="tx1"/>
+            </a:solidFill>
+            <a:tailEnd type="triangle"/>
+          </a:ln>
+        </p:spPr>
+        <p:style>
+          <a:lnRef idx="1">
+            <a:schemeClr val="accent1"/>
+          </a:lnRef>
+          <a:fillRef idx="0">
+            <a:schemeClr val="accent1"/>
+          </a:fillRef>
+          <a:effectRef idx="0">
+            <a:schemeClr val="accent1"/>
+          </a:effectRef>
+          <a:fontRef idx="minor">
+            <a:schemeClr val="tx1"/>
+          </a:fontRef>
+        </p:style>
+      </p:cxnSp>
+      <p:sp>
+        <p:nvSpPr>
+          <p:cNvPr id="62" name="Textfeld 61">
+            <a:extLst>
+              <a:ext uri="{FF2B5EF4-FFF2-40B4-BE49-F238E27FC236}">
+                <a16:creationId xmlns:a16="http://schemas.microsoft.com/office/drawing/2014/main" id="{A0A1BCE6-D0F2-49E8-9ABA-46B92FBAA113}"/>
+              </a:ext>
+            </a:extLst>
+          </p:cNvPr>
+          <p:cNvSpPr txBox="1"/>
+          <p:nvPr/>
+        </p:nvSpPr>
+        <p:spPr>
+          <a:xfrm>
+            <a:off x="2288602" y="5167514"/>
+            <a:ext cx="338548" cy="292388"/>
+          </a:xfrm>
+          <a:prstGeom prst="rect">
+            <a:avLst/>
+          </a:prstGeom>
+          <a:noFill/>
+        </p:spPr>
+        <p:txBody>
+          <a:bodyPr wrap="square" rtlCol="0">
+            <a:spAutoFit/>
+          </a:bodyPr>
+          <a:lstStyle/>
+          <a:p>
+            <a:r>
+              <a:rPr lang="de-DE" sz="1300" dirty="0"/>
               <a:t>1</a:t>
             </a:r>
           </a:p>
@@ -9625,24 +9094,59 @@
       </p:sp>
       <p:sp>
         <p:nvSpPr>
-          <p:cNvPr id="45" name="Freihandform 44"/>
+          <p:cNvPr id="63" name="Textfeld 62">
+            <a:extLst>
+              <a:ext uri="{FF2B5EF4-FFF2-40B4-BE49-F238E27FC236}">
+                <a16:creationId xmlns:a16="http://schemas.microsoft.com/office/drawing/2014/main" id="{A0A1BCE6-D0F2-49E8-9ABA-46B92FBAA113}"/>
+              </a:ext>
+            </a:extLst>
+          </p:cNvPr>
+          <p:cNvSpPr txBox="1"/>
+          <p:nvPr/>
+        </p:nvSpPr>
+        <p:spPr>
+          <a:xfrm>
+            <a:off x="9697010" y="5176670"/>
+            <a:ext cx="338548" cy="292388"/>
+          </a:xfrm>
+          <a:prstGeom prst="rect">
+            <a:avLst/>
+          </a:prstGeom>
+          <a:noFill/>
+        </p:spPr>
+        <p:txBody>
+          <a:bodyPr wrap="square" rtlCol="0">
+            <a:spAutoFit/>
+          </a:bodyPr>
+          <a:lstStyle/>
+          <a:p>
+            <a:r>
+              <a:rPr lang="de-DE" sz="1300" dirty="0"/>
+              <a:t>1</a:t>
+            </a:r>
+          </a:p>
+        </p:txBody>
+      </p:sp>
+      <p:sp>
+        <p:nvSpPr>
+          <p:cNvPr id="64" name="Freihandform 63"/>
           <p:cNvSpPr/>
           <p:nvPr/>
         </p:nvSpPr>
         <p:spPr>
           <a:xfrm>
-            <a:off x="8105775" y="6010275"/>
-            <a:ext cx="612412" cy="156622"/>
+            <a:off x="11384280" y="5154996"/>
+            <a:ext cx="173879" cy="262824"/>
           </a:xfrm>
           <a:custGeom>
             <a:avLst/>
             <a:gdLst>
-              <a:gd name="connsiteX0" fmla="*/ 428625 w 612412"/>
-              <a:gd name="connsiteY0" fmla="*/ 0 h 156622"/>
-              <a:gd name="connsiteX1" fmla="*/ 590550 w 612412"/>
-              <a:gd name="connsiteY1" fmla="*/ 142875 h 156622"/>
-              <a:gd name="connsiteX2" fmla="*/ 0 w 612412"/>
-              <a:gd name="connsiteY2" fmla="*/ 142875 h 156622"/>
+              <a:gd name="connsiteX0" fmla="*/ 0 w 173879"/>
+              <a:gd name="connsiteY0" fmla="*/ 133284 h 262824"/>
+              <a:gd name="connsiteX1" fmla="*/ 167640 w 173879"/>
+              <a:gd name="connsiteY1" fmla="*/ 3744 h 262824"/>
+              <a:gd name="connsiteX2" fmla="*/ 121920 w 173879"/>
+              <a:gd name="connsiteY2" fmla="*/ 262824 h 262824"/>
             </a:gdLst>
             <a:ahLst/>
             <a:cxnLst>
@@ -9658,19 +9162,19 @@
             </a:cxnLst>
             <a:rect l="l" t="t" r="r" b="b"/>
             <a:pathLst>
-              <a:path w="612412" h="156622">
+              <a:path w="173879" h="262824">
                 <a:moveTo>
-                  <a:pt x="428625" y="0"/>
+                  <a:pt x="0" y="133284"/>
                 </a:moveTo>
                 <a:cubicBezTo>
-                  <a:pt x="545306" y="59531"/>
-                  <a:pt x="661987" y="119063"/>
-                  <a:pt x="590550" y="142875"/>
+                  <a:pt x="73660" y="57719"/>
+                  <a:pt x="147320" y="-17846"/>
+                  <a:pt x="167640" y="3744"/>
                 </a:cubicBezTo>
                 <a:cubicBezTo>
-                  <a:pt x="519113" y="166687"/>
-                  <a:pt x="259556" y="154781"/>
-                  <a:pt x="0" y="142875"/>
+                  <a:pt x="187960" y="25334"/>
+                  <a:pt x="154940" y="144079"/>
+                  <a:pt x="121920" y="262824"/>
                 </a:cubicBezTo>
               </a:path>
             </a:pathLst>
@@ -9709,96 +9213,10 @@
           </a:p>
         </p:txBody>
       </p:sp>
-      <p:sp>
-        <p:nvSpPr>
-          <p:cNvPr id="46" name="Freihandform 45"/>
-          <p:cNvSpPr/>
-          <p:nvPr/>
-        </p:nvSpPr>
-        <p:spPr>
-          <a:xfrm>
-            <a:off x="7924800" y="5276850"/>
-            <a:ext cx="537792" cy="219075"/>
-          </a:xfrm>
-          <a:custGeom>
-            <a:avLst/>
-            <a:gdLst>
-              <a:gd name="connsiteX0" fmla="*/ 209550 w 537792"/>
-              <a:gd name="connsiteY0" fmla="*/ 0 h 219075"/>
-              <a:gd name="connsiteX1" fmla="*/ 533400 w 537792"/>
-              <a:gd name="connsiteY1" fmla="*/ 180975 h 219075"/>
-              <a:gd name="connsiteX2" fmla="*/ 0 w 537792"/>
-              <a:gd name="connsiteY2" fmla="*/ 219075 h 219075"/>
-            </a:gdLst>
-            <a:ahLst/>
-            <a:cxnLst>
-              <a:cxn ang="0">
-                <a:pos x="connsiteX0" y="connsiteY0"/>
-              </a:cxn>
-              <a:cxn ang="0">
-                <a:pos x="connsiteX1" y="connsiteY1"/>
-              </a:cxn>
-              <a:cxn ang="0">
-                <a:pos x="connsiteX2" y="connsiteY2"/>
-              </a:cxn>
-            </a:cxnLst>
-            <a:rect l="l" t="t" r="r" b="b"/>
-            <a:pathLst>
-              <a:path w="537792" h="219075">
-                <a:moveTo>
-                  <a:pt x="209550" y="0"/>
-                </a:moveTo>
-                <a:cubicBezTo>
-                  <a:pt x="388937" y="72231"/>
-                  <a:pt x="568325" y="144463"/>
-                  <a:pt x="533400" y="180975"/>
-                </a:cubicBezTo>
-                <a:cubicBezTo>
-                  <a:pt x="498475" y="217487"/>
-                  <a:pt x="249237" y="218281"/>
-                  <a:pt x="0" y="219075"/>
-                </a:cubicBezTo>
-              </a:path>
-            </a:pathLst>
-          </a:custGeom>
-          <a:noFill/>
-          <a:ln w="9525">
-            <a:solidFill>
-              <a:srgbClr val="00549F"/>
-            </a:solidFill>
-            <a:headEnd type="none" w="med" len="med"/>
-            <a:tailEnd type="arrow" w="med" len="med"/>
-          </a:ln>
-        </p:spPr>
-        <p:style>
-          <a:lnRef idx="2">
-            <a:schemeClr val="accent1">
-              <a:shade val="50000"/>
-            </a:schemeClr>
-          </a:lnRef>
-          <a:fillRef idx="1">
-            <a:schemeClr val="accent1"/>
-          </a:fillRef>
-          <a:effectRef idx="0">
-            <a:schemeClr val="accent1"/>
-          </a:effectRef>
-          <a:fontRef idx="minor">
-            <a:schemeClr val="lt1"/>
-          </a:fontRef>
-        </p:style>
-        <p:txBody>
-          <a:bodyPr rtlCol="0" anchor="ctr"/>
-          <a:lstStyle/>
-          <a:p>
-            <a:pPr algn="ctr"/>
-            <a:endParaRPr lang="en-US"/>
-          </a:p>
-        </p:txBody>
-      </p:sp>
     </p:spTree>
     <p:extLst>
       <p:ext uri="{BB962C8B-B14F-4D97-AF65-F5344CB8AC3E}">
-        <p14:creationId xmlns:p14="http://schemas.microsoft.com/office/powerpoint/2010/main" val="4174998335"/>
+        <p14:creationId xmlns:p14="http://schemas.microsoft.com/office/powerpoint/2010/main" val="4035854232"/>
       </p:ext>
     </p:extLst>
   </p:cSld>
